--- a/Präsentation.pptx
+++ b/Präsentation.pptx
@@ -4,8 +4,19 @@
   <p:sldMasterIdLst>
     <p:sldMasterId id="2147483648" r:id="rId1"/>
   </p:sldMasterIdLst>
+  <p:notesMasterIdLst>
+    <p:notesMasterId r:id="rId11"/>
+  </p:notesMasterIdLst>
   <p:sldIdLst>
     <p:sldId id="256" r:id="rId2"/>
+    <p:sldId id="257" r:id="rId3"/>
+    <p:sldId id="262" r:id="rId4"/>
+    <p:sldId id="259" r:id="rId5"/>
+    <p:sldId id="260" r:id="rId6"/>
+    <p:sldId id="261" r:id="rId7"/>
+    <p:sldId id="258" r:id="rId8"/>
+    <p:sldId id="263" r:id="rId9"/>
+    <p:sldId id="264" r:id="rId10"/>
   </p:sldIdLst>
   <p:sldSz cx="12192000" cy="6858000"/>
   <p:notesSz cx="6858000" cy="9144000"/>
@@ -104,7 +115,530 @@
       </a:defRPr>
     </a:lvl9pPr>
   </p:defaultTextStyle>
+  <p:extLst>
+    <p:ext uri="{EFAFB233-063F-42B5-8137-9DF3F51BA10A}">
+      <p15:sldGuideLst xmlns:p15="http://schemas.microsoft.com/office/powerpoint/2012/main"/>
+    </p:ext>
+  </p:extLst>
 </p:presentation>
+</file>
+
+<file path=ppt/notesMasters/notesMaster1.xml><?xml version="1.0" encoding="utf-8"?>
+<p:notesMaster xmlns:a="http://schemas.openxmlformats.org/drawingml/2006/main" xmlns:r="http://schemas.openxmlformats.org/officeDocument/2006/relationships" xmlns:p="http://schemas.openxmlformats.org/presentationml/2006/main">
+  <p:cSld>
+    <p:bg>
+      <p:bgRef idx="1001">
+        <a:schemeClr val="bg1"/>
+      </p:bgRef>
+    </p:bg>
+    <p:spTree>
+      <p:nvGrpSpPr>
+        <p:cNvPr id="1" name=""/>
+        <p:cNvGrpSpPr/>
+        <p:nvPr/>
+      </p:nvGrpSpPr>
+      <p:grpSpPr>
+        <a:xfrm>
+          <a:off x="0" y="0"/>
+          <a:ext cx="0" cy="0"/>
+          <a:chOff x="0" y="0"/>
+          <a:chExt cx="0" cy="0"/>
+        </a:xfrm>
+      </p:grpSpPr>
+      <p:sp>
+        <p:nvSpPr>
+          <p:cNvPr id="2" name="Kopfzeilenplatzhalter 1"/>
+          <p:cNvSpPr>
+            <a:spLocks noGrp="1"/>
+          </p:cNvSpPr>
+          <p:nvPr>
+            <p:ph type="hdr" sz="quarter"/>
+          </p:nvPr>
+        </p:nvSpPr>
+        <p:spPr>
+          <a:xfrm>
+            <a:off x="0" y="0"/>
+            <a:ext cx="2971800" cy="458788"/>
+          </a:xfrm>
+          <a:prstGeom prst="rect">
+            <a:avLst/>
+          </a:prstGeom>
+        </p:spPr>
+        <p:txBody>
+          <a:bodyPr vert="horz" lIns="91440" tIns="45720" rIns="91440" bIns="45720" rtlCol="0"/>
+          <a:lstStyle>
+            <a:lvl1pPr algn="l">
+              <a:defRPr sz="1200"/>
+            </a:lvl1pPr>
+          </a:lstStyle>
+          <a:p>
+            <a:endParaRPr lang="de-DE"/>
+          </a:p>
+        </p:txBody>
+      </p:sp>
+      <p:sp>
+        <p:nvSpPr>
+          <p:cNvPr id="3" name="Datumsplatzhalter 2"/>
+          <p:cNvSpPr>
+            <a:spLocks noGrp="1"/>
+          </p:cNvSpPr>
+          <p:nvPr>
+            <p:ph type="dt" idx="1"/>
+          </p:nvPr>
+        </p:nvSpPr>
+        <p:spPr>
+          <a:xfrm>
+            <a:off x="3884613" y="0"/>
+            <a:ext cx="2971800" cy="458788"/>
+          </a:xfrm>
+          <a:prstGeom prst="rect">
+            <a:avLst/>
+          </a:prstGeom>
+        </p:spPr>
+        <p:txBody>
+          <a:bodyPr vert="horz" lIns="91440" tIns="45720" rIns="91440" bIns="45720" rtlCol="0"/>
+          <a:lstStyle>
+            <a:lvl1pPr algn="r">
+              <a:defRPr sz="1200"/>
+            </a:lvl1pPr>
+          </a:lstStyle>
+          <a:p>
+            <a:fld id="{419C9940-0C61-4F21-8F25-6E6112C8342E}" type="datetimeFigureOut">
+              <a:rPr lang="de-DE" smtClean="0"/>
+              <a:t>22.01.2018</a:t>
+            </a:fld>
+            <a:endParaRPr lang="de-DE"/>
+          </a:p>
+        </p:txBody>
+      </p:sp>
+      <p:sp>
+        <p:nvSpPr>
+          <p:cNvPr id="4" name="Folienbildplatzhalter 3"/>
+          <p:cNvSpPr>
+            <a:spLocks noGrp="1" noRot="1" noChangeAspect="1"/>
+          </p:cNvSpPr>
+          <p:nvPr>
+            <p:ph type="sldImg" idx="2"/>
+          </p:nvPr>
+        </p:nvSpPr>
+        <p:spPr>
+          <a:xfrm>
+            <a:off x="685800" y="1143000"/>
+            <a:ext cx="5486400" cy="3086100"/>
+          </a:xfrm>
+          <a:prstGeom prst="rect">
+            <a:avLst/>
+          </a:prstGeom>
+          <a:noFill/>
+          <a:ln w="12700">
+            <a:solidFill>
+              <a:prstClr val="black"/>
+            </a:solidFill>
+          </a:ln>
+        </p:spPr>
+        <p:txBody>
+          <a:bodyPr vert="horz" lIns="91440" tIns="45720" rIns="91440" bIns="45720" rtlCol="0" anchor="ctr"/>
+          <a:lstStyle/>
+          <a:p>
+            <a:endParaRPr lang="de-DE"/>
+          </a:p>
+        </p:txBody>
+      </p:sp>
+      <p:sp>
+        <p:nvSpPr>
+          <p:cNvPr id="5" name="Notizenplatzhalter 4"/>
+          <p:cNvSpPr>
+            <a:spLocks noGrp="1"/>
+          </p:cNvSpPr>
+          <p:nvPr>
+            <p:ph type="body" sz="quarter" idx="3"/>
+          </p:nvPr>
+        </p:nvSpPr>
+        <p:spPr>
+          <a:xfrm>
+            <a:off x="685800" y="4400550"/>
+            <a:ext cx="5486400" cy="3600450"/>
+          </a:xfrm>
+          <a:prstGeom prst="rect">
+            <a:avLst/>
+          </a:prstGeom>
+        </p:spPr>
+        <p:txBody>
+          <a:bodyPr vert="horz" lIns="91440" tIns="45720" rIns="91440" bIns="45720" rtlCol="0"/>
+          <a:lstStyle/>
+          <a:p>
+            <a:pPr lvl="0"/>
+            <a:r>
+              <a:rPr lang="de-DE" smtClean="0"/>
+              <a:t>Textmasterformat bearbeiten</a:t>
+            </a:r>
+          </a:p>
+          <a:p>
+            <a:pPr lvl="1"/>
+            <a:r>
+              <a:rPr lang="de-DE" smtClean="0"/>
+              <a:t>Zweite Ebene</a:t>
+            </a:r>
+          </a:p>
+          <a:p>
+            <a:pPr lvl="2"/>
+            <a:r>
+              <a:rPr lang="de-DE" smtClean="0"/>
+              <a:t>Dritte Ebene</a:t>
+            </a:r>
+          </a:p>
+          <a:p>
+            <a:pPr lvl="3"/>
+            <a:r>
+              <a:rPr lang="de-DE" smtClean="0"/>
+              <a:t>Vierte Ebene</a:t>
+            </a:r>
+          </a:p>
+          <a:p>
+            <a:pPr lvl="4"/>
+            <a:r>
+              <a:rPr lang="de-DE" smtClean="0"/>
+              <a:t>Fünfte Ebene</a:t>
+            </a:r>
+            <a:endParaRPr lang="de-DE"/>
+          </a:p>
+        </p:txBody>
+      </p:sp>
+      <p:sp>
+        <p:nvSpPr>
+          <p:cNvPr id="6" name="Fußzeilenplatzhalter 5"/>
+          <p:cNvSpPr>
+            <a:spLocks noGrp="1"/>
+          </p:cNvSpPr>
+          <p:nvPr>
+            <p:ph type="ftr" sz="quarter" idx="4"/>
+          </p:nvPr>
+        </p:nvSpPr>
+        <p:spPr>
+          <a:xfrm>
+            <a:off x="0" y="8685213"/>
+            <a:ext cx="2971800" cy="458787"/>
+          </a:xfrm>
+          <a:prstGeom prst="rect">
+            <a:avLst/>
+          </a:prstGeom>
+        </p:spPr>
+        <p:txBody>
+          <a:bodyPr vert="horz" lIns="91440" tIns="45720" rIns="91440" bIns="45720" rtlCol="0" anchor="b"/>
+          <a:lstStyle>
+            <a:lvl1pPr algn="l">
+              <a:defRPr sz="1200"/>
+            </a:lvl1pPr>
+          </a:lstStyle>
+          <a:p>
+            <a:endParaRPr lang="de-DE"/>
+          </a:p>
+        </p:txBody>
+      </p:sp>
+      <p:sp>
+        <p:nvSpPr>
+          <p:cNvPr id="7" name="Foliennummernplatzhalter 6"/>
+          <p:cNvSpPr>
+            <a:spLocks noGrp="1"/>
+          </p:cNvSpPr>
+          <p:nvPr>
+            <p:ph type="sldNum" sz="quarter" idx="5"/>
+          </p:nvPr>
+        </p:nvSpPr>
+        <p:spPr>
+          <a:xfrm>
+            <a:off x="3884613" y="8685213"/>
+            <a:ext cx="2971800" cy="458787"/>
+          </a:xfrm>
+          <a:prstGeom prst="rect">
+            <a:avLst/>
+          </a:prstGeom>
+        </p:spPr>
+        <p:txBody>
+          <a:bodyPr vert="horz" lIns="91440" tIns="45720" rIns="91440" bIns="45720" rtlCol="0" anchor="b"/>
+          <a:lstStyle>
+            <a:lvl1pPr algn="r">
+              <a:defRPr sz="1200"/>
+            </a:lvl1pPr>
+          </a:lstStyle>
+          <a:p>
+            <a:fld id="{4F403F75-43B4-4E5B-B058-77317C49F926}" type="slidenum">
+              <a:rPr lang="de-DE" smtClean="0"/>
+              <a:t>‹Nr.›</a:t>
+            </a:fld>
+            <a:endParaRPr lang="de-DE"/>
+          </a:p>
+        </p:txBody>
+      </p:sp>
+    </p:spTree>
+    <p:extLst>
+      <p:ext uri="{BB962C8B-B14F-4D97-AF65-F5344CB8AC3E}">
+        <p14:creationId xmlns:p14="http://schemas.microsoft.com/office/powerpoint/2010/main" val="2010187253"/>
+      </p:ext>
+    </p:extLst>
+  </p:cSld>
+  <p:clrMap bg1="lt1" tx1="dk1" bg2="lt2" tx2="dk2" accent1="accent1" accent2="accent2" accent3="accent3" accent4="accent4" accent5="accent5" accent6="accent6" hlink="hlink" folHlink="folHlink"/>
+  <p:notesStyle>
+    <a:lvl1pPr marL="0" algn="l" defTabSz="914400" rtl="0" eaLnBrk="1" latinLnBrk="0" hangingPunct="1">
+      <a:defRPr sz="1200" kern="1200">
+        <a:solidFill>
+          <a:schemeClr val="tx1"/>
+        </a:solidFill>
+        <a:latin typeface="+mn-lt"/>
+        <a:ea typeface="+mn-ea"/>
+        <a:cs typeface="+mn-cs"/>
+      </a:defRPr>
+    </a:lvl1pPr>
+    <a:lvl2pPr marL="457200" algn="l" defTabSz="914400" rtl="0" eaLnBrk="1" latinLnBrk="0" hangingPunct="1">
+      <a:defRPr sz="1200" kern="1200">
+        <a:solidFill>
+          <a:schemeClr val="tx1"/>
+        </a:solidFill>
+        <a:latin typeface="+mn-lt"/>
+        <a:ea typeface="+mn-ea"/>
+        <a:cs typeface="+mn-cs"/>
+      </a:defRPr>
+    </a:lvl2pPr>
+    <a:lvl3pPr marL="914400" algn="l" defTabSz="914400" rtl="0" eaLnBrk="1" latinLnBrk="0" hangingPunct="1">
+      <a:defRPr sz="1200" kern="1200">
+        <a:solidFill>
+          <a:schemeClr val="tx1"/>
+        </a:solidFill>
+        <a:latin typeface="+mn-lt"/>
+        <a:ea typeface="+mn-ea"/>
+        <a:cs typeface="+mn-cs"/>
+      </a:defRPr>
+    </a:lvl3pPr>
+    <a:lvl4pPr marL="1371600" algn="l" defTabSz="914400" rtl="0" eaLnBrk="1" latinLnBrk="0" hangingPunct="1">
+      <a:defRPr sz="1200" kern="1200">
+        <a:solidFill>
+          <a:schemeClr val="tx1"/>
+        </a:solidFill>
+        <a:latin typeface="+mn-lt"/>
+        <a:ea typeface="+mn-ea"/>
+        <a:cs typeface="+mn-cs"/>
+      </a:defRPr>
+    </a:lvl4pPr>
+    <a:lvl5pPr marL="1828800" algn="l" defTabSz="914400" rtl="0" eaLnBrk="1" latinLnBrk="0" hangingPunct="1">
+      <a:defRPr sz="1200" kern="1200">
+        <a:solidFill>
+          <a:schemeClr val="tx1"/>
+        </a:solidFill>
+        <a:latin typeface="+mn-lt"/>
+        <a:ea typeface="+mn-ea"/>
+        <a:cs typeface="+mn-cs"/>
+      </a:defRPr>
+    </a:lvl5pPr>
+    <a:lvl6pPr marL="2286000" algn="l" defTabSz="914400" rtl="0" eaLnBrk="1" latinLnBrk="0" hangingPunct="1">
+      <a:defRPr sz="1200" kern="1200">
+        <a:solidFill>
+          <a:schemeClr val="tx1"/>
+        </a:solidFill>
+        <a:latin typeface="+mn-lt"/>
+        <a:ea typeface="+mn-ea"/>
+        <a:cs typeface="+mn-cs"/>
+      </a:defRPr>
+    </a:lvl6pPr>
+    <a:lvl7pPr marL="2743200" algn="l" defTabSz="914400" rtl="0" eaLnBrk="1" latinLnBrk="0" hangingPunct="1">
+      <a:defRPr sz="1200" kern="1200">
+        <a:solidFill>
+          <a:schemeClr val="tx1"/>
+        </a:solidFill>
+        <a:latin typeface="+mn-lt"/>
+        <a:ea typeface="+mn-ea"/>
+        <a:cs typeface="+mn-cs"/>
+      </a:defRPr>
+    </a:lvl7pPr>
+    <a:lvl8pPr marL="3200400" algn="l" defTabSz="914400" rtl="0" eaLnBrk="1" latinLnBrk="0" hangingPunct="1">
+      <a:defRPr sz="1200" kern="1200">
+        <a:solidFill>
+          <a:schemeClr val="tx1"/>
+        </a:solidFill>
+        <a:latin typeface="+mn-lt"/>
+        <a:ea typeface="+mn-ea"/>
+        <a:cs typeface="+mn-cs"/>
+      </a:defRPr>
+    </a:lvl8pPr>
+    <a:lvl9pPr marL="3657600" algn="l" defTabSz="914400" rtl="0" eaLnBrk="1" latinLnBrk="0" hangingPunct="1">
+      <a:defRPr sz="1200" kern="1200">
+        <a:solidFill>
+          <a:schemeClr val="tx1"/>
+        </a:solidFill>
+        <a:latin typeface="+mn-lt"/>
+        <a:ea typeface="+mn-ea"/>
+        <a:cs typeface="+mn-cs"/>
+      </a:defRPr>
+    </a:lvl9pPr>
+  </p:notesStyle>
+</p:notesMaster>
+</file>
+
+<file path=ppt/notesSlides/notesSlide1.xml><?xml version="1.0" encoding="utf-8"?>
+<p:notes xmlns:a="http://schemas.openxmlformats.org/drawingml/2006/main" xmlns:r="http://schemas.openxmlformats.org/officeDocument/2006/relationships" xmlns:p="http://schemas.openxmlformats.org/presentationml/2006/main">
+  <p:cSld>
+    <p:spTree>
+      <p:nvGrpSpPr>
+        <p:cNvPr id="1" name=""/>
+        <p:cNvGrpSpPr/>
+        <p:nvPr/>
+      </p:nvGrpSpPr>
+      <p:grpSpPr>
+        <a:xfrm>
+          <a:off x="0" y="0"/>
+          <a:ext cx="0" cy="0"/>
+          <a:chOff x="0" y="0"/>
+          <a:chExt cx="0" cy="0"/>
+        </a:xfrm>
+      </p:grpSpPr>
+      <p:sp>
+        <p:nvSpPr>
+          <p:cNvPr id="2" name="Folienbildplatzhalter 1"/>
+          <p:cNvSpPr>
+            <a:spLocks noGrp="1" noRot="1" noChangeAspect="1"/>
+          </p:cNvSpPr>
+          <p:nvPr>
+            <p:ph type="sldImg"/>
+          </p:nvPr>
+        </p:nvSpPr>
+        <p:spPr/>
+      </p:sp>
+      <p:sp>
+        <p:nvSpPr>
+          <p:cNvPr id="3" name="Notizenplatzhalter 2"/>
+          <p:cNvSpPr>
+            <a:spLocks noGrp="1"/>
+          </p:cNvSpPr>
+          <p:nvPr>
+            <p:ph type="body" idx="1"/>
+          </p:nvPr>
+        </p:nvSpPr>
+        <p:spPr/>
+        <p:txBody>
+          <a:bodyPr/>
+          <a:lstStyle/>
+          <a:p>
+            <a:endParaRPr lang="de-DE" dirty="0"/>
+          </a:p>
+        </p:txBody>
+      </p:sp>
+      <p:sp>
+        <p:nvSpPr>
+          <p:cNvPr id="4" name="Foliennummernplatzhalter 3"/>
+          <p:cNvSpPr>
+            <a:spLocks noGrp="1"/>
+          </p:cNvSpPr>
+          <p:nvPr>
+            <p:ph type="sldNum" sz="quarter" idx="10"/>
+          </p:nvPr>
+        </p:nvSpPr>
+        <p:spPr/>
+        <p:txBody>
+          <a:bodyPr/>
+          <a:lstStyle/>
+          <a:p>
+            <a:fld id="{4F403F75-43B4-4E5B-B058-77317C49F926}" type="slidenum">
+              <a:rPr lang="de-DE" smtClean="0"/>
+              <a:t>1</a:t>
+            </a:fld>
+            <a:endParaRPr lang="de-DE"/>
+          </a:p>
+        </p:txBody>
+      </p:sp>
+    </p:spTree>
+    <p:extLst>
+      <p:ext uri="{BB962C8B-B14F-4D97-AF65-F5344CB8AC3E}">
+        <p14:creationId xmlns:p14="http://schemas.microsoft.com/office/powerpoint/2010/main" val="901150535"/>
+      </p:ext>
+    </p:extLst>
+  </p:cSld>
+  <p:clrMapOvr>
+    <a:masterClrMapping/>
+  </p:clrMapOvr>
+</p:notes>
+</file>
+
+<file path=ppt/notesSlides/notesSlide2.xml><?xml version="1.0" encoding="utf-8"?>
+<p:notes xmlns:a="http://schemas.openxmlformats.org/drawingml/2006/main" xmlns:r="http://schemas.openxmlformats.org/officeDocument/2006/relationships" xmlns:p="http://schemas.openxmlformats.org/presentationml/2006/main">
+  <p:cSld>
+    <p:spTree>
+      <p:nvGrpSpPr>
+        <p:cNvPr id="1" name=""/>
+        <p:cNvGrpSpPr/>
+        <p:nvPr/>
+      </p:nvGrpSpPr>
+      <p:grpSpPr>
+        <a:xfrm>
+          <a:off x="0" y="0"/>
+          <a:ext cx="0" cy="0"/>
+          <a:chOff x="0" y="0"/>
+          <a:chExt cx="0" cy="0"/>
+        </a:xfrm>
+      </p:grpSpPr>
+      <p:sp>
+        <p:nvSpPr>
+          <p:cNvPr id="2" name="Folienbildplatzhalter 1"/>
+          <p:cNvSpPr>
+            <a:spLocks noGrp="1" noRot="1" noChangeAspect="1"/>
+          </p:cNvSpPr>
+          <p:nvPr>
+            <p:ph type="sldImg"/>
+          </p:nvPr>
+        </p:nvSpPr>
+        <p:spPr/>
+      </p:sp>
+      <p:sp>
+        <p:nvSpPr>
+          <p:cNvPr id="3" name="Notizenplatzhalter 2"/>
+          <p:cNvSpPr>
+            <a:spLocks noGrp="1"/>
+          </p:cNvSpPr>
+          <p:nvPr>
+            <p:ph type="body" idx="1"/>
+          </p:nvPr>
+        </p:nvSpPr>
+        <p:spPr/>
+        <p:txBody>
+          <a:bodyPr/>
+          <a:lstStyle/>
+          <a:p>
+            <a:endParaRPr lang="de-DE" dirty="0"/>
+          </a:p>
+        </p:txBody>
+      </p:sp>
+      <p:sp>
+        <p:nvSpPr>
+          <p:cNvPr id="4" name="Foliennummernplatzhalter 3"/>
+          <p:cNvSpPr>
+            <a:spLocks noGrp="1"/>
+          </p:cNvSpPr>
+          <p:nvPr>
+            <p:ph type="sldNum" sz="quarter" idx="10"/>
+          </p:nvPr>
+        </p:nvSpPr>
+        <p:spPr/>
+        <p:txBody>
+          <a:bodyPr/>
+          <a:lstStyle/>
+          <a:p>
+            <a:fld id="{4F403F75-43B4-4E5B-B058-77317C49F926}" type="slidenum">
+              <a:rPr lang="de-DE" smtClean="0"/>
+              <a:t>2</a:t>
+            </a:fld>
+            <a:endParaRPr lang="de-DE"/>
+          </a:p>
+        </p:txBody>
+      </p:sp>
+    </p:spTree>
+    <p:extLst>
+      <p:ext uri="{BB962C8B-B14F-4D97-AF65-F5344CB8AC3E}">
+        <p14:creationId xmlns:p14="http://schemas.microsoft.com/office/powerpoint/2010/main" val="827539287"/>
+      </p:ext>
+    </p:extLst>
+  </p:cSld>
+  <p:clrMapOvr>
+    <a:masterClrMapping/>
+  </p:clrMapOvr>
+</p:notes>
 </file>
 
 <file path=ppt/slideLayouts/slideLayout1.xml><?xml version="1.0" encoding="utf-8"?>
@@ -238,7 +772,7 @@
           <a:p>
             <a:fld id="{81350F87-EA89-4E00-A32E-A06403EE044E}" type="datetimeFigureOut">
               <a:rPr lang="de-DE" smtClean="0"/>
-              <a:t>20.01.2018</a:t>
+              <a:t>22.01.2018</a:t>
             </a:fld>
             <a:endParaRPr lang="de-DE"/>
           </a:p>
@@ -408,7 +942,7 @@
           <a:p>
             <a:fld id="{81350F87-EA89-4E00-A32E-A06403EE044E}" type="datetimeFigureOut">
               <a:rPr lang="de-DE" smtClean="0"/>
-              <a:t>20.01.2018</a:t>
+              <a:t>22.01.2018</a:t>
             </a:fld>
             <a:endParaRPr lang="de-DE"/>
           </a:p>
@@ -588,7 +1122,7 @@
           <a:p>
             <a:fld id="{81350F87-EA89-4E00-A32E-A06403EE044E}" type="datetimeFigureOut">
               <a:rPr lang="de-DE" smtClean="0"/>
-              <a:t>20.01.2018</a:t>
+              <a:t>22.01.2018</a:t>
             </a:fld>
             <a:endParaRPr lang="de-DE"/>
           </a:p>
@@ -758,7 +1292,7 @@
           <a:p>
             <a:fld id="{81350F87-EA89-4E00-A32E-A06403EE044E}" type="datetimeFigureOut">
               <a:rPr lang="de-DE" smtClean="0"/>
-              <a:t>20.01.2018</a:t>
+              <a:t>22.01.2018</a:t>
             </a:fld>
             <a:endParaRPr lang="de-DE"/>
           </a:p>
@@ -1004,7 +1538,7 @@
           <a:p>
             <a:fld id="{81350F87-EA89-4E00-A32E-A06403EE044E}" type="datetimeFigureOut">
               <a:rPr lang="de-DE" smtClean="0"/>
-              <a:t>20.01.2018</a:t>
+              <a:t>22.01.2018</a:t>
             </a:fld>
             <a:endParaRPr lang="de-DE"/>
           </a:p>
@@ -1236,7 +1770,7 @@
           <a:p>
             <a:fld id="{81350F87-EA89-4E00-A32E-A06403EE044E}" type="datetimeFigureOut">
               <a:rPr lang="de-DE" smtClean="0"/>
-              <a:t>20.01.2018</a:t>
+              <a:t>22.01.2018</a:t>
             </a:fld>
             <a:endParaRPr lang="de-DE"/>
           </a:p>
@@ -1603,7 +2137,7 @@
           <a:p>
             <a:fld id="{81350F87-EA89-4E00-A32E-A06403EE044E}" type="datetimeFigureOut">
               <a:rPr lang="de-DE" smtClean="0"/>
-              <a:t>20.01.2018</a:t>
+              <a:t>22.01.2018</a:t>
             </a:fld>
             <a:endParaRPr lang="de-DE"/>
           </a:p>
@@ -1721,7 +2255,7 @@
           <a:p>
             <a:fld id="{81350F87-EA89-4E00-A32E-A06403EE044E}" type="datetimeFigureOut">
               <a:rPr lang="de-DE" smtClean="0"/>
-              <a:t>20.01.2018</a:t>
+              <a:t>22.01.2018</a:t>
             </a:fld>
             <a:endParaRPr lang="de-DE"/>
           </a:p>
@@ -1816,7 +2350,7 @@
           <a:p>
             <a:fld id="{81350F87-EA89-4E00-A32E-A06403EE044E}" type="datetimeFigureOut">
               <a:rPr lang="de-DE" smtClean="0"/>
-              <a:t>20.01.2018</a:t>
+              <a:t>22.01.2018</a:t>
             </a:fld>
             <a:endParaRPr lang="de-DE"/>
           </a:p>
@@ -2093,7 +2627,7 @@
           <a:p>
             <a:fld id="{81350F87-EA89-4E00-A32E-A06403EE044E}" type="datetimeFigureOut">
               <a:rPr lang="de-DE" smtClean="0"/>
-              <a:t>20.01.2018</a:t>
+              <a:t>22.01.2018</a:t>
             </a:fld>
             <a:endParaRPr lang="de-DE"/>
           </a:p>
@@ -2346,7 +2880,7 @@
           <a:p>
             <a:fld id="{81350F87-EA89-4E00-A32E-A06403EE044E}" type="datetimeFigureOut">
               <a:rPr lang="de-DE" smtClean="0"/>
-              <a:t>20.01.2018</a:t>
+              <a:t>22.01.2018</a:t>
             </a:fld>
             <a:endParaRPr lang="de-DE"/>
           </a:p>
@@ -2559,7 +3093,7 @@
           <a:p>
             <a:fld id="{81350F87-EA89-4E00-A32E-A06403EE044E}" type="datetimeFigureOut">
               <a:rPr lang="de-DE" smtClean="0"/>
-              <a:t>20.01.2018</a:t>
+              <a:t>22.01.2018</a:t>
             </a:fld>
             <a:endParaRPr lang="de-DE"/>
           </a:p>
@@ -2976,10 +3510,31 @@
         </p:nvSpPr>
         <p:spPr/>
         <p:txBody>
-          <a:bodyPr/>
-          <a:lstStyle/>
-          <a:p>
-            <a:endParaRPr lang="de-DE"/>
+          <a:bodyPr>
+            <a:normAutofit/>
+          </a:bodyPr>
+          <a:lstStyle/>
+          <a:p>
+            <a:pPr fontAlgn="ctr"/>
+            <a:r>
+              <a:rPr lang="de-DE" sz="4400" b="1" dirty="0"/>
+              <a:t>BWI50202 .NET Vertiefung</a:t>
+            </a:r>
+            <a:br>
+              <a:rPr lang="de-DE" sz="4400" b="1" dirty="0"/>
+            </a:br>
+            <a:r>
+              <a:rPr lang="de-DE" sz="4400" dirty="0"/>
+              <a:t/>
+            </a:r>
+            <a:br>
+              <a:rPr lang="de-DE" sz="4400" dirty="0"/>
+            </a:br>
+            <a:r>
+              <a:rPr lang="de-DE" sz="4400" b="1" dirty="0"/>
+              <a:t>eLearning-App</a:t>
+            </a:r>
+            <a:endParaRPr lang="de-DE" sz="4400" dirty="0"/>
           </a:p>
         </p:txBody>
       </p:sp>
@@ -2995,10 +3550,33 @@
         </p:nvSpPr>
         <p:spPr/>
         <p:txBody>
-          <a:bodyPr/>
-          <a:lstStyle/>
-          <a:p>
-            <a:endParaRPr lang="de-DE"/>
+          <a:bodyPr>
+            <a:normAutofit fontScale="92500"/>
+          </a:bodyPr>
+          <a:lstStyle/>
+          <a:p>
+            <a:endParaRPr lang="de-DE" dirty="0" smtClean="0"/>
+          </a:p>
+          <a:p>
+            <a:r>
+              <a:rPr lang="de-DE" sz="2800" dirty="0" smtClean="0"/>
+              <a:t>Projekt 9</a:t>
+            </a:r>
+          </a:p>
+          <a:p>
+            <a:r>
+              <a:rPr lang="de-DE" sz="2800" dirty="0" smtClean="0"/>
+              <a:t>Tobias Jansen, Henning Schilder, </a:t>
+            </a:r>
+            <a:r>
+              <a:rPr lang="de-DE" sz="2800" dirty="0" err="1" smtClean="0"/>
+              <a:t>Aleks</a:t>
+            </a:r>
+            <a:r>
+              <a:rPr lang="de-DE" sz="2800" dirty="0" smtClean="0"/>
+              <a:t> Adamovic und Jari Elfers</a:t>
+            </a:r>
+            <a:endParaRPr lang="de-DE" sz="2800" dirty="0"/>
           </a:p>
         </p:txBody>
       </p:sp>
@@ -3012,6 +3590,879 @@
   <p:clrMapOvr>
     <a:masterClrMapping/>
   </p:clrMapOvr>
+  <p:timing>
+    <p:tnLst>
+      <p:par>
+        <p:cTn id="1" dur="indefinite" restart="never" nodeType="tmRoot"/>
+      </p:par>
+    </p:tnLst>
+  </p:timing>
+</p:sld>
+</file>
+
+<file path=ppt/slides/slide2.xml><?xml version="1.0" encoding="utf-8"?>
+<p:sld xmlns:a="http://schemas.openxmlformats.org/drawingml/2006/main" xmlns:r="http://schemas.openxmlformats.org/officeDocument/2006/relationships" xmlns:p="http://schemas.openxmlformats.org/presentationml/2006/main">
+  <p:cSld>
+    <p:spTree>
+      <p:nvGrpSpPr>
+        <p:cNvPr id="1" name=""/>
+        <p:cNvGrpSpPr/>
+        <p:nvPr/>
+      </p:nvGrpSpPr>
+      <p:grpSpPr>
+        <a:xfrm>
+          <a:off x="0" y="0"/>
+          <a:ext cx="0" cy="0"/>
+          <a:chOff x="0" y="0"/>
+          <a:chExt cx="0" cy="0"/>
+        </a:xfrm>
+      </p:grpSpPr>
+      <p:sp>
+        <p:nvSpPr>
+          <p:cNvPr id="2" name="Titel 1"/>
+          <p:cNvSpPr>
+            <a:spLocks noGrp="1"/>
+          </p:cNvSpPr>
+          <p:nvPr>
+            <p:ph type="title"/>
+          </p:nvPr>
+        </p:nvSpPr>
+        <p:spPr/>
+        <p:txBody>
+          <a:bodyPr/>
+          <a:lstStyle/>
+          <a:p>
+            <a:r>
+              <a:rPr lang="de-DE" dirty="0" smtClean="0"/>
+              <a:t>Gliederung</a:t>
+            </a:r>
+            <a:endParaRPr lang="de-DE" dirty="0"/>
+          </a:p>
+        </p:txBody>
+      </p:sp>
+      <p:sp>
+        <p:nvSpPr>
+          <p:cNvPr id="3" name="Inhaltsplatzhalter 2"/>
+          <p:cNvSpPr>
+            <a:spLocks noGrp="1"/>
+          </p:cNvSpPr>
+          <p:nvPr>
+            <p:ph idx="1"/>
+          </p:nvPr>
+        </p:nvSpPr>
+        <p:spPr/>
+        <p:txBody>
+          <a:bodyPr/>
+          <a:lstStyle/>
+          <a:p>
+            <a:r>
+              <a:rPr lang="de-DE" dirty="0" smtClean="0"/>
+              <a:t>Die Idee</a:t>
+            </a:r>
+          </a:p>
+          <a:p>
+            <a:r>
+              <a:rPr lang="de-DE" dirty="0" smtClean="0"/>
+              <a:t>Framework und Programmiersprache</a:t>
+            </a:r>
+          </a:p>
+          <a:p>
+            <a:r>
+              <a:rPr lang="de-DE" dirty="0" err="1" smtClean="0"/>
+              <a:t>Use</a:t>
+            </a:r>
+            <a:r>
+              <a:rPr lang="de-DE" dirty="0" smtClean="0"/>
+              <a:t> Cases</a:t>
+            </a:r>
+          </a:p>
+          <a:p>
+            <a:r>
+              <a:rPr lang="de-DE" dirty="0" smtClean="0"/>
+              <a:t>Datenbankmodell</a:t>
+            </a:r>
+          </a:p>
+          <a:p>
+            <a:r>
+              <a:rPr lang="de-DE" dirty="0" smtClean="0"/>
+              <a:t>Probleme</a:t>
+            </a:r>
+          </a:p>
+          <a:p>
+            <a:r>
+              <a:rPr lang="de-DE" dirty="0" smtClean="0"/>
+              <a:t>PLATZHALTER</a:t>
+            </a:r>
+          </a:p>
+          <a:p>
+            <a:r>
+              <a:rPr lang="de-DE" dirty="0" smtClean="0"/>
+              <a:t>PLATZHALTER</a:t>
+            </a:r>
+          </a:p>
+          <a:p>
+            <a:r>
+              <a:rPr lang="de-DE" dirty="0" smtClean="0"/>
+              <a:t>Vorstellung des Programm(-codes)</a:t>
+            </a:r>
+          </a:p>
+        </p:txBody>
+      </p:sp>
+    </p:spTree>
+    <p:extLst>
+      <p:ext uri="{BB962C8B-B14F-4D97-AF65-F5344CB8AC3E}">
+        <p14:creationId xmlns:p14="http://schemas.microsoft.com/office/powerpoint/2010/main" val="2641775217"/>
+      </p:ext>
+    </p:extLst>
+  </p:cSld>
+  <p:clrMapOvr>
+    <a:masterClrMapping/>
+  </p:clrMapOvr>
+  <p:timing>
+    <p:tnLst>
+      <p:par>
+        <p:cTn id="1" dur="indefinite" restart="never" nodeType="tmRoot"/>
+      </p:par>
+    </p:tnLst>
+  </p:timing>
+</p:sld>
+</file>
+
+<file path=ppt/slides/slide3.xml><?xml version="1.0" encoding="utf-8"?>
+<p:sld xmlns:a="http://schemas.openxmlformats.org/drawingml/2006/main" xmlns:r="http://schemas.openxmlformats.org/officeDocument/2006/relationships" xmlns:p="http://schemas.openxmlformats.org/presentationml/2006/main">
+  <p:cSld>
+    <p:spTree>
+      <p:nvGrpSpPr>
+        <p:cNvPr id="1" name=""/>
+        <p:cNvGrpSpPr/>
+        <p:nvPr/>
+      </p:nvGrpSpPr>
+      <p:grpSpPr>
+        <a:xfrm>
+          <a:off x="0" y="0"/>
+          <a:ext cx="0" cy="0"/>
+          <a:chOff x="0" y="0"/>
+          <a:chExt cx="0" cy="0"/>
+        </a:xfrm>
+      </p:grpSpPr>
+      <p:sp>
+        <p:nvSpPr>
+          <p:cNvPr id="2" name="Titel 1"/>
+          <p:cNvSpPr>
+            <a:spLocks noGrp="1"/>
+          </p:cNvSpPr>
+          <p:nvPr>
+            <p:ph type="title"/>
+          </p:nvPr>
+        </p:nvSpPr>
+        <p:spPr/>
+        <p:txBody>
+          <a:bodyPr/>
+          <a:lstStyle/>
+          <a:p>
+            <a:r>
+              <a:rPr lang="de-DE" dirty="0" smtClean="0"/>
+              <a:t>Die Idee</a:t>
+            </a:r>
+            <a:endParaRPr lang="de-DE" dirty="0"/>
+          </a:p>
+        </p:txBody>
+      </p:sp>
+      <p:sp>
+        <p:nvSpPr>
+          <p:cNvPr id="3" name="Inhaltsplatzhalter 2"/>
+          <p:cNvSpPr>
+            <a:spLocks noGrp="1"/>
+          </p:cNvSpPr>
+          <p:nvPr>
+            <p:ph idx="1"/>
+          </p:nvPr>
+        </p:nvSpPr>
+        <p:spPr/>
+        <p:txBody>
+          <a:bodyPr/>
+          <a:lstStyle/>
+          <a:p>
+            <a:pPr>
+              <a:lnSpc>
+                <a:spcPct val="150000"/>
+              </a:lnSpc>
+            </a:pPr>
+            <a:r>
+              <a:rPr lang="de-DE" dirty="0" smtClean="0"/>
+              <a:t>„eLearning“  Webanwendung</a:t>
+            </a:r>
+            <a:r>
+              <a:rPr lang="de-DE" dirty="0" smtClean="0">
+                <a:sym typeface="Wingdings" panose="05000000000000000000" pitchFamily="2" charset="2"/>
+              </a:rPr>
+              <a:t> </a:t>
+            </a:r>
+            <a:r>
+              <a:rPr lang="de-DE" dirty="0"/>
+              <a:t>elektronisch unterstütztes </a:t>
+            </a:r>
+            <a:r>
+              <a:rPr lang="de-DE" dirty="0" smtClean="0"/>
+              <a:t>Lernen</a:t>
+            </a:r>
+          </a:p>
+          <a:p>
+            <a:pPr>
+              <a:lnSpc>
+                <a:spcPct val="150000"/>
+              </a:lnSpc>
+            </a:pPr>
+            <a:r>
+              <a:rPr lang="de-DE" dirty="0" smtClean="0"/>
+              <a:t>Lernen </a:t>
+            </a:r>
+            <a:r>
+              <a:rPr lang="de-DE" dirty="0" smtClean="0">
+                <a:sym typeface="Wingdings" panose="05000000000000000000" pitchFamily="2" charset="2"/>
+              </a:rPr>
+              <a:t> </a:t>
+            </a:r>
+            <a:r>
+              <a:rPr lang="de-DE" dirty="0" smtClean="0"/>
+              <a:t>Unabhängig von Ort, Zeit und Plattform</a:t>
+            </a:r>
+          </a:p>
+          <a:p>
+            <a:pPr>
+              <a:lnSpc>
+                <a:spcPct val="150000"/>
+              </a:lnSpc>
+            </a:pPr>
+            <a:r>
+              <a:rPr lang="de-DE" dirty="0" smtClean="0"/>
+              <a:t>Überblick </a:t>
+            </a:r>
+            <a:r>
+              <a:rPr lang="de-DE" dirty="0" smtClean="0">
+                <a:sym typeface="Wingdings" panose="05000000000000000000" pitchFamily="2" charset="2"/>
+              </a:rPr>
+              <a:t> Lernfortschritt + Stärken/Schwächen</a:t>
+            </a:r>
+            <a:endParaRPr lang="de-DE" dirty="0"/>
+          </a:p>
+        </p:txBody>
+      </p:sp>
+    </p:spTree>
+    <p:extLst>
+      <p:ext uri="{BB962C8B-B14F-4D97-AF65-F5344CB8AC3E}">
+        <p14:creationId xmlns:p14="http://schemas.microsoft.com/office/powerpoint/2010/main" val="981966639"/>
+      </p:ext>
+    </p:extLst>
+  </p:cSld>
+  <p:clrMapOvr>
+    <a:masterClrMapping/>
+  </p:clrMapOvr>
+  <p:timing>
+    <p:tnLst>
+      <p:par>
+        <p:cTn id="1" dur="indefinite" restart="never" nodeType="tmRoot"/>
+      </p:par>
+    </p:tnLst>
+  </p:timing>
+</p:sld>
+</file>
+
+<file path=ppt/slides/slide4.xml><?xml version="1.0" encoding="utf-8"?>
+<p:sld xmlns:a="http://schemas.openxmlformats.org/drawingml/2006/main" xmlns:r="http://schemas.openxmlformats.org/officeDocument/2006/relationships" xmlns:p="http://schemas.openxmlformats.org/presentationml/2006/main">
+  <p:cSld>
+    <p:spTree>
+      <p:nvGrpSpPr>
+        <p:cNvPr id="1" name=""/>
+        <p:cNvGrpSpPr/>
+        <p:nvPr/>
+      </p:nvGrpSpPr>
+      <p:grpSpPr>
+        <a:xfrm>
+          <a:off x="0" y="0"/>
+          <a:ext cx="0" cy="0"/>
+          <a:chOff x="0" y="0"/>
+          <a:chExt cx="0" cy="0"/>
+        </a:xfrm>
+      </p:grpSpPr>
+      <p:sp>
+        <p:nvSpPr>
+          <p:cNvPr id="2" name="Titel 1"/>
+          <p:cNvSpPr>
+            <a:spLocks noGrp="1"/>
+          </p:cNvSpPr>
+          <p:nvPr>
+            <p:ph type="title"/>
+          </p:nvPr>
+        </p:nvSpPr>
+        <p:spPr/>
+        <p:txBody>
+          <a:bodyPr/>
+          <a:lstStyle/>
+          <a:p>
+            <a:r>
+              <a:rPr lang="de-DE" dirty="0"/>
+              <a:t>Framework und </a:t>
+            </a:r>
+            <a:r>
+              <a:rPr lang="de-DE" dirty="0" smtClean="0"/>
+              <a:t>Programmiersprache</a:t>
+            </a:r>
+            <a:endParaRPr lang="de-DE" dirty="0"/>
+          </a:p>
+        </p:txBody>
+      </p:sp>
+      <p:sp>
+        <p:nvSpPr>
+          <p:cNvPr id="3" name="Inhaltsplatzhalter 2"/>
+          <p:cNvSpPr>
+            <a:spLocks noGrp="1"/>
+          </p:cNvSpPr>
+          <p:nvPr>
+            <p:ph idx="1"/>
+          </p:nvPr>
+        </p:nvSpPr>
+        <p:spPr/>
+        <p:txBody>
+          <a:bodyPr/>
+          <a:lstStyle/>
+          <a:p>
+            <a:pPr marL="0" indent="0">
+              <a:buNone/>
+            </a:pPr>
+            <a:r>
+              <a:rPr lang="de-DE" dirty="0" smtClean="0"/>
+              <a:t>Erster Versuch:</a:t>
+            </a:r>
+          </a:p>
+          <a:p>
+            <a:r>
+              <a:rPr lang="de-DE" dirty="0"/>
+              <a:t>ASP.NET </a:t>
+            </a:r>
+            <a:r>
+              <a:rPr lang="de-DE" dirty="0" smtClean="0"/>
+              <a:t>Core MVC-Webanwendungen und </a:t>
+            </a:r>
+            <a:r>
+              <a:rPr lang="de-DE" dirty="0"/>
+              <a:t> Entity Framework Core</a:t>
+            </a:r>
+          </a:p>
+          <a:p>
+            <a:endParaRPr lang="de-DE" dirty="0" smtClean="0"/>
+          </a:p>
+          <a:p>
+            <a:pPr marL="0" indent="0">
+              <a:buNone/>
+            </a:pPr>
+            <a:r>
+              <a:rPr lang="de-DE" dirty="0" smtClean="0"/>
+              <a:t>Zweiter Versuch:</a:t>
+            </a:r>
+          </a:p>
+          <a:p>
+            <a:r>
+              <a:rPr lang="de-DE" dirty="0" smtClean="0"/>
+              <a:t>Angular (</a:t>
+            </a:r>
+            <a:r>
+              <a:rPr lang="de-DE" dirty="0" err="1"/>
+              <a:t>TypeScript</a:t>
+            </a:r>
+            <a:r>
+              <a:rPr lang="de-DE" dirty="0"/>
+              <a:t>-basiertes </a:t>
+            </a:r>
+            <a:r>
+              <a:rPr lang="de-DE" dirty="0" smtClean="0"/>
+              <a:t>Front-End-Webapplikationsframework)</a:t>
+            </a:r>
+            <a:endParaRPr lang="de-DE" dirty="0"/>
+          </a:p>
+          <a:p>
+            <a:pPr marL="0" indent="0">
+              <a:buNone/>
+            </a:pPr>
+            <a:endParaRPr lang="de-DE" dirty="0"/>
+          </a:p>
+        </p:txBody>
+      </p:sp>
+    </p:spTree>
+    <p:extLst>
+      <p:ext uri="{BB962C8B-B14F-4D97-AF65-F5344CB8AC3E}">
+        <p14:creationId xmlns:p14="http://schemas.microsoft.com/office/powerpoint/2010/main" val="486256322"/>
+      </p:ext>
+    </p:extLst>
+  </p:cSld>
+  <p:clrMapOvr>
+    <a:masterClrMapping/>
+  </p:clrMapOvr>
+  <p:timing>
+    <p:tnLst>
+      <p:par>
+        <p:cTn id="1" dur="indefinite" restart="never" nodeType="tmRoot"/>
+      </p:par>
+    </p:tnLst>
+  </p:timing>
+</p:sld>
+</file>
+
+<file path=ppt/slides/slide5.xml><?xml version="1.0" encoding="utf-8"?>
+<p:sld xmlns:a="http://schemas.openxmlformats.org/drawingml/2006/main" xmlns:r="http://schemas.openxmlformats.org/officeDocument/2006/relationships" xmlns:p="http://schemas.openxmlformats.org/presentationml/2006/main">
+  <p:cSld>
+    <p:spTree>
+      <p:nvGrpSpPr>
+        <p:cNvPr id="1" name=""/>
+        <p:cNvGrpSpPr/>
+        <p:nvPr/>
+      </p:nvGrpSpPr>
+      <p:grpSpPr>
+        <a:xfrm>
+          <a:off x="0" y="0"/>
+          <a:ext cx="0" cy="0"/>
+          <a:chOff x="0" y="0"/>
+          <a:chExt cx="0" cy="0"/>
+        </a:xfrm>
+      </p:grpSpPr>
+      <p:sp>
+        <p:nvSpPr>
+          <p:cNvPr id="2" name="Titel 1"/>
+          <p:cNvSpPr>
+            <a:spLocks noGrp="1"/>
+          </p:cNvSpPr>
+          <p:nvPr>
+            <p:ph type="title"/>
+          </p:nvPr>
+        </p:nvSpPr>
+        <p:spPr/>
+        <p:txBody>
+          <a:bodyPr/>
+          <a:lstStyle/>
+          <a:p>
+            <a:r>
+              <a:rPr lang="de-DE" dirty="0" err="1" smtClean="0"/>
+              <a:t>Use</a:t>
+            </a:r>
+            <a:r>
+              <a:rPr lang="de-DE" dirty="0" smtClean="0"/>
+              <a:t> Case Diagramm</a:t>
+            </a:r>
+            <a:endParaRPr lang="de-DE" dirty="0"/>
+          </a:p>
+        </p:txBody>
+      </p:sp>
+      <p:pic>
+        <p:nvPicPr>
+          <p:cNvPr id="4" name="Inhaltsplatzhalter 3"/>
+          <p:cNvPicPr>
+            <a:picLocks noGrp="1" noChangeAspect="1"/>
+          </p:cNvPicPr>
+          <p:nvPr>
+            <p:ph idx="1"/>
+          </p:nvPr>
+        </p:nvPicPr>
+        <p:blipFill>
+          <a:blip r:embed="rId2">
+            <a:extLst>
+              <a:ext uri="{28A0092B-C50C-407E-A947-70E740481C1C}">
+                <a14:useLocalDpi xmlns:a14="http://schemas.microsoft.com/office/drawing/2010/main" val="0"/>
+              </a:ext>
+            </a:extLst>
+          </a:blip>
+          <a:stretch>
+            <a:fillRect/>
+          </a:stretch>
+        </p:blipFill>
+        <p:spPr>
+          <a:xfrm>
+            <a:off x="2409695" y="1393371"/>
+            <a:ext cx="7648705" cy="5411174"/>
+          </a:xfrm>
+        </p:spPr>
+      </p:pic>
+    </p:spTree>
+    <p:extLst>
+      <p:ext uri="{BB962C8B-B14F-4D97-AF65-F5344CB8AC3E}">
+        <p14:creationId xmlns:p14="http://schemas.microsoft.com/office/powerpoint/2010/main" val="892213005"/>
+      </p:ext>
+    </p:extLst>
+  </p:cSld>
+  <p:clrMapOvr>
+    <a:masterClrMapping/>
+  </p:clrMapOvr>
+  <p:timing>
+    <p:tnLst>
+      <p:par>
+        <p:cTn id="1" dur="indefinite" restart="never" nodeType="tmRoot"/>
+      </p:par>
+    </p:tnLst>
+  </p:timing>
+</p:sld>
+</file>
+
+<file path=ppt/slides/slide6.xml><?xml version="1.0" encoding="utf-8"?>
+<p:sld xmlns:a="http://schemas.openxmlformats.org/drawingml/2006/main" xmlns:r="http://schemas.openxmlformats.org/officeDocument/2006/relationships" xmlns:p="http://schemas.openxmlformats.org/presentationml/2006/main">
+  <p:cSld>
+    <p:spTree>
+      <p:nvGrpSpPr>
+        <p:cNvPr id="1" name=""/>
+        <p:cNvGrpSpPr/>
+        <p:nvPr/>
+      </p:nvGrpSpPr>
+      <p:grpSpPr>
+        <a:xfrm>
+          <a:off x="0" y="0"/>
+          <a:ext cx="0" cy="0"/>
+          <a:chOff x="0" y="0"/>
+          <a:chExt cx="0" cy="0"/>
+        </a:xfrm>
+      </p:grpSpPr>
+      <p:sp>
+        <p:nvSpPr>
+          <p:cNvPr id="2" name="Titel 1"/>
+          <p:cNvSpPr>
+            <a:spLocks noGrp="1"/>
+          </p:cNvSpPr>
+          <p:nvPr>
+            <p:ph type="title"/>
+          </p:nvPr>
+        </p:nvSpPr>
+        <p:spPr/>
+        <p:txBody>
+          <a:bodyPr/>
+          <a:lstStyle/>
+          <a:p>
+            <a:r>
+              <a:rPr lang="de-DE" dirty="0" smtClean="0"/>
+              <a:t>Datenbankmodell</a:t>
+            </a:r>
+            <a:endParaRPr lang="de-DE" dirty="0"/>
+          </a:p>
+        </p:txBody>
+      </p:sp>
+      <p:pic>
+        <p:nvPicPr>
+          <p:cNvPr id="4" name="Inhaltsplatzhalter 4"/>
+          <p:cNvPicPr>
+            <a:picLocks noGrp="1" noChangeAspect="1"/>
+          </p:cNvPicPr>
+          <p:nvPr>
+            <p:ph idx="1"/>
+          </p:nvPr>
+        </p:nvPicPr>
+        <p:blipFill>
+          <a:blip r:embed="rId2">
+            <a:extLst>
+              <a:ext uri="{28A0092B-C50C-407E-A947-70E740481C1C}">
+                <a14:useLocalDpi xmlns:a14="http://schemas.microsoft.com/office/drawing/2010/main" val="0"/>
+              </a:ext>
+            </a:extLst>
+          </a:blip>
+          <a:stretch>
+            <a:fillRect/>
+          </a:stretch>
+        </p:blipFill>
+        <p:spPr>
+          <a:xfrm>
+            <a:off x="2381887" y="1825625"/>
+            <a:ext cx="7428225" cy="4351338"/>
+          </a:xfrm>
+        </p:spPr>
+      </p:pic>
+    </p:spTree>
+    <p:extLst>
+      <p:ext uri="{BB962C8B-B14F-4D97-AF65-F5344CB8AC3E}">
+        <p14:creationId xmlns:p14="http://schemas.microsoft.com/office/powerpoint/2010/main" val="3841799128"/>
+      </p:ext>
+    </p:extLst>
+  </p:cSld>
+  <p:clrMapOvr>
+    <a:masterClrMapping/>
+  </p:clrMapOvr>
+  <p:timing>
+    <p:tnLst>
+      <p:par>
+        <p:cTn id="1" dur="indefinite" restart="never" nodeType="tmRoot"/>
+      </p:par>
+    </p:tnLst>
+  </p:timing>
+</p:sld>
+</file>
+
+<file path=ppt/slides/slide7.xml><?xml version="1.0" encoding="utf-8"?>
+<p:sld xmlns:a="http://schemas.openxmlformats.org/drawingml/2006/main" xmlns:r="http://schemas.openxmlformats.org/officeDocument/2006/relationships" xmlns:p="http://schemas.openxmlformats.org/presentationml/2006/main">
+  <p:cSld>
+    <p:spTree>
+      <p:nvGrpSpPr>
+        <p:cNvPr id="1" name=""/>
+        <p:cNvGrpSpPr/>
+        <p:nvPr/>
+      </p:nvGrpSpPr>
+      <p:grpSpPr>
+        <a:xfrm>
+          <a:off x="0" y="0"/>
+          <a:ext cx="0" cy="0"/>
+          <a:chOff x="0" y="0"/>
+          <a:chExt cx="0" cy="0"/>
+        </a:xfrm>
+      </p:grpSpPr>
+      <p:sp>
+        <p:nvSpPr>
+          <p:cNvPr id="2" name="Titel 1"/>
+          <p:cNvSpPr>
+            <a:spLocks noGrp="1"/>
+          </p:cNvSpPr>
+          <p:nvPr>
+            <p:ph type="title"/>
+          </p:nvPr>
+        </p:nvSpPr>
+        <p:spPr/>
+        <p:txBody>
+          <a:bodyPr/>
+          <a:lstStyle/>
+          <a:p>
+            <a:r>
+              <a:rPr lang="de-DE" dirty="0"/>
+              <a:t>Probleme</a:t>
+            </a:r>
+          </a:p>
+        </p:txBody>
+      </p:sp>
+      <p:sp>
+        <p:nvSpPr>
+          <p:cNvPr id="6" name="Inhaltsplatzhalter 5"/>
+          <p:cNvSpPr>
+            <a:spLocks noGrp="1"/>
+          </p:cNvSpPr>
+          <p:nvPr>
+            <p:ph idx="1"/>
+          </p:nvPr>
+        </p:nvSpPr>
+        <p:spPr/>
+        <p:txBody>
+          <a:bodyPr/>
+          <a:lstStyle/>
+          <a:p>
+            <a:pPr>
+              <a:lnSpc>
+                <a:spcPct val="150000"/>
+              </a:lnSpc>
+            </a:pPr>
+            <a:r>
+              <a:rPr lang="de-DE" dirty="0" smtClean="0"/>
+              <a:t>Organisation und </a:t>
+            </a:r>
+            <a:r>
+              <a:rPr lang="de-DE" dirty="0"/>
+              <a:t>Kommunikation</a:t>
+            </a:r>
+            <a:r>
+              <a:rPr lang="de-DE" dirty="0" smtClean="0"/>
+              <a:t> im Team</a:t>
+            </a:r>
+          </a:p>
+          <a:p>
+            <a:pPr>
+              <a:lnSpc>
+                <a:spcPct val="150000"/>
+              </a:lnSpc>
+            </a:pPr>
+            <a:r>
+              <a:rPr lang="de-DE" dirty="0" smtClean="0"/>
+              <a:t>Fehlendes Verständnis für Programmierung</a:t>
+            </a:r>
+          </a:p>
+        </p:txBody>
+      </p:sp>
+    </p:spTree>
+    <p:extLst>
+      <p:ext uri="{BB962C8B-B14F-4D97-AF65-F5344CB8AC3E}">
+        <p14:creationId xmlns:p14="http://schemas.microsoft.com/office/powerpoint/2010/main" val="1705440401"/>
+      </p:ext>
+    </p:extLst>
+  </p:cSld>
+  <p:clrMapOvr>
+    <a:masterClrMapping/>
+  </p:clrMapOvr>
+  <p:timing>
+    <p:tnLst>
+      <p:par>
+        <p:cTn id="1" dur="indefinite" restart="never" nodeType="tmRoot"/>
+      </p:par>
+    </p:tnLst>
+  </p:timing>
+</p:sld>
+</file>
+
+<file path=ppt/slides/slide8.xml><?xml version="1.0" encoding="utf-8"?>
+<p:sld xmlns:a="http://schemas.openxmlformats.org/drawingml/2006/main" xmlns:r="http://schemas.openxmlformats.org/officeDocument/2006/relationships" xmlns:p="http://schemas.openxmlformats.org/presentationml/2006/main">
+  <p:cSld>
+    <p:spTree>
+      <p:nvGrpSpPr>
+        <p:cNvPr id="1" name=""/>
+        <p:cNvGrpSpPr/>
+        <p:nvPr/>
+      </p:nvGrpSpPr>
+      <p:grpSpPr>
+        <a:xfrm>
+          <a:off x="0" y="0"/>
+          <a:ext cx="0" cy="0"/>
+          <a:chOff x="0" y="0"/>
+          <a:chExt cx="0" cy="0"/>
+        </a:xfrm>
+      </p:grpSpPr>
+      <p:sp>
+        <p:nvSpPr>
+          <p:cNvPr id="2" name="Titel 1"/>
+          <p:cNvSpPr>
+            <a:spLocks noGrp="1"/>
+          </p:cNvSpPr>
+          <p:nvPr>
+            <p:ph type="title"/>
+          </p:nvPr>
+        </p:nvSpPr>
+        <p:spPr/>
+        <p:txBody>
+          <a:bodyPr/>
+          <a:lstStyle/>
+          <a:p>
+            <a:r>
+              <a:rPr lang="de-DE" dirty="0"/>
+              <a:t>Vorstellung des Programm(-codes</a:t>
+            </a:r>
+            <a:r>
+              <a:rPr lang="de-DE" dirty="0" smtClean="0"/>
+              <a:t>)</a:t>
+            </a:r>
+            <a:endParaRPr lang="de-DE" dirty="0"/>
+          </a:p>
+        </p:txBody>
+      </p:sp>
+      <p:sp>
+        <p:nvSpPr>
+          <p:cNvPr id="3" name="Inhaltsplatzhalter 2"/>
+          <p:cNvSpPr>
+            <a:spLocks noGrp="1"/>
+          </p:cNvSpPr>
+          <p:nvPr>
+            <p:ph idx="1"/>
+          </p:nvPr>
+        </p:nvSpPr>
+        <p:spPr/>
+        <p:txBody>
+          <a:bodyPr/>
+          <a:lstStyle/>
+          <a:p>
+            <a:endParaRPr lang="de-DE" dirty="0"/>
+          </a:p>
+        </p:txBody>
+      </p:sp>
+    </p:spTree>
+    <p:extLst>
+      <p:ext uri="{BB962C8B-B14F-4D97-AF65-F5344CB8AC3E}">
+        <p14:creationId xmlns:p14="http://schemas.microsoft.com/office/powerpoint/2010/main" val="1060376681"/>
+      </p:ext>
+    </p:extLst>
+  </p:cSld>
+  <p:clrMapOvr>
+    <a:masterClrMapping/>
+  </p:clrMapOvr>
+  <p:timing>
+    <p:tnLst>
+      <p:par>
+        <p:cTn id="1" dur="indefinite" restart="never" nodeType="tmRoot"/>
+      </p:par>
+    </p:tnLst>
+  </p:timing>
+</p:sld>
+</file>
+
+<file path=ppt/slides/slide9.xml><?xml version="1.0" encoding="utf-8"?>
+<p:sld xmlns:a="http://schemas.openxmlformats.org/drawingml/2006/main" xmlns:r="http://schemas.openxmlformats.org/officeDocument/2006/relationships" xmlns:p="http://schemas.openxmlformats.org/presentationml/2006/main">
+  <p:cSld>
+    <p:spTree>
+      <p:nvGrpSpPr>
+        <p:cNvPr id="1" name=""/>
+        <p:cNvGrpSpPr/>
+        <p:nvPr/>
+      </p:nvGrpSpPr>
+      <p:grpSpPr>
+        <a:xfrm>
+          <a:off x="0" y="0"/>
+          <a:ext cx="0" cy="0"/>
+          <a:chOff x="0" y="0"/>
+          <a:chExt cx="0" cy="0"/>
+        </a:xfrm>
+      </p:grpSpPr>
+      <p:sp>
+        <p:nvSpPr>
+          <p:cNvPr id="2" name="Titel 1"/>
+          <p:cNvSpPr>
+            <a:spLocks noGrp="1"/>
+          </p:cNvSpPr>
+          <p:nvPr>
+            <p:ph type="title"/>
+          </p:nvPr>
+        </p:nvSpPr>
+        <p:spPr/>
+        <p:txBody>
+          <a:bodyPr/>
+          <a:lstStyle/>
+          <a:p>
+            <a:r>
+              <a:rPr lang="de-DE" dirty="0" smtClean="0"/>
+              <a:t>Ende</a:t>
+            </a:r>
+            <a:endParaRPr lang="de-DE" dirty="0"/>
+          </a:p>
+        </p:txBody>
+      </p:sp>
+      <p:sp>
+        <p:nvSpPr>
+          <p:cNvPr id="3" name="Inhaltsplatzhalter 2"/>
+          <p:cNvSpPr>
+            <a:spLocks noGrp="1"/>
+          </p:cNvSpPr>
+          <p:nvPr>
+            <p:ph type="body" idx="1"/>
+          </p:nvPr>
+        </p:nvSpPr>
+        <p:spPr/>
+        <p:txBody>
+          <a:bodyPr>
+            <a:normAutofit/>
+          </a:bodyPr>
+          <a:lstStyle/>
+          <a:p>
+            <a:pPr marL="0" indent="0" algn="ctr">
+              <a:buNone/>
+            </a:pPr>
+            <a:r>
+              <a:rPr lang="de-DE" sz="3600" dirty="0"/>
+              <a:t>Vielen Dank für Ihre Aufmerksamkeit!</a:t>
+            </a:r>
+            <a:endParaRPr lang="de-DE" sz="3600" dirty="0"/>
+          </a:p>
+        </p:txBody>
+      </p:sp>
+    </p:spTree>
+    <p:extLst>
+      <p:ext uri="{BB962C8B-B14F-4D97-AF65-F5344CB8AC3E}">
+        <p14:creationId xmlns:p14="http://schemas.microsoft.com/office/powerpoint/2010/main" val="3220260418"/>
+      </p:ext>
+    </p:extLst>
+  </p:cSld>
+  <p:clrMapOvr>
+    <a:masterClrMapping/>
+  </p:clrMapOvr>
+  <p:timing>
+    <p:tnLst>
+      <p:par>
+        <p:cTn id="1" dur="indefinite" restart="never" nodeType="tmRoot"/>
+      </p:par>
+    </p:tnLst>
+  </p:timing>
 </p:sld>
 </file>
 
@@ -3274,4 +4725,265 @@
     </a:ext>
   </a:extLst>
 </a:theme>
+</file>
+
+<file path=ppt/theme/theme2.xml><?xml version="1.0" encoding="utf-8"?>
+<a:theme xmlns:a="http://schemas.openxmlformats.org/drawingml/2006/main" name="Office Theme">
+  <a:themeElements>
+    <a:clrScheme name="Office">
+      <a:dk1>
+        <a:sysClr val="windowText" lastClr="000000"/>
+      </a:dk1>
+      <a:lt1>
+        <a:sysClr val="window" lastClr="FFFFFF"/>
+      </a:lt1>
+      <a:dk2>
+        <a:srgbClr val="44546A"/>
+      </a:dk2>
+      <a:lt2>
+        <a:srgbClr val="E7E6E6"/>
+      </a:lt2>
+      <a:accent1>
+        <a:srgbClr val="5B9BD5"/>
+      </a:accent1>
+      <a:accent2>
+        <a:srgbClr val="ED7D31"/>
+      </a:accent2>
+      <a:accent3>
+        <a:srgbClr val="A5A5A5"/>
+      </a:accent3>
+      <a:accent4>
+        <a:srgbClr val="FFC000"/>
+      </a:accent4>
+      <a:accent5>
+        <a:srgbClr val="4472C4"/>
+      </a:accent5>
+      <a:accent6>
+        <a:srgbClr val="70AD47"/>
+      </a:accent6>
+      <a:hlink>
+        <a:srgbClr val="0563C1"/>
+      </a:hlink>
+      <a:folHlink>
+        <a:srgbClr val="954F72"/>
+      </a:folHlink>
+    </a:clrScheme>
+    <a:fontScheme name="Office">
+      <a:majorFont>
+        <a:latin typeface="Calibri Light" panose="020F0302020204030204"/>
+        <a:ea typeface=""/>
+        <a:cs typeface=""/>
+        <a:font script="Jpan" typeface="ＭＳ Ｐゴシック"/>
+        <a:font script="Hang" typeface="맑은 고딕"/>
+        <a:font script="Hans" typeface="宋体"/>
+        <a:font script="Hant" typeface="新細明體"/>
+        <a:font script="Arab" typeface="Times New Roman"/>
+        <a:font script="Hebr" typeface="Times New Roman"/>
+        <a:font script="Thai" typeface="Angsana New"/>
+        <a:font script="Ethi" typeface="Nyala"/>
+        <a:font script="Beng" typeface="Vrinda"/>
+        <a:font script="Gujr" typeface="Shruti"/>
+        <a:font script="Khmr" typeface="MoolBoran"/>
+        <a:font script="Knda" typeface="Tunga"/>
+        <a:font script="Guru" typeface="Raavi"/>
+        <a:font script="Cans" typeface="Euphemia"/>
+        <a:font script="Cher" typeface="Plantagenet Cherokee"/>
+        <a:font script="Yiii" typeface="Microsoft Yi Baiti"/>
+        <a:font script="Tibt" typeface="Microsoft Himalaya"/>
+        <a:font script="Thaa" typeface="MV Boli"/>
+        <a:font script="Deva" typeface="Mangal"/>
+        <a:font script="Telu" typeface="Gautami"/>
+        <a:font script="Taml" typeface="Latha"/>
+        <a:font script="Syrc" typeface="Estrangelo Edessa"/>
+        <a:font script="Orya" typeface="Kalinga"/>
+        <a:font script="Mlym" typeface="Kartika"/>
+        <a:font script="Laoo" typeface="DokChampa"/>
+        <a:font script="Sinh" typeface="Iskoola Pota"/>
+        <a:font script="Mong" typeface="Mongolian Baiti"/>
+        <a:font script="Viet" typeface="Times New Roman"/>
+        <a:font script="Uigh" typeface="Microsoft Uighur"/>
+        <a:font script="Geor" typeface="Sylfaen"/>
+      </a:majorFont>
+      <a:minorFont>
+        <a:latin typeface="Calibri" panose="020F0502020204030204"/>
+        <a:ea typeface=""/>
+        <a:cs typeface=""/>
+        <a:font script="Jpan" typeface="ＭＳ Ｐゴシック"/>
+        <a:font script="Hang" typeface="맑은 고딕"/>
+        <a:font script="Hans" typeface="宋体"/>
+        <a:font script="Hant" typeface="新細明體"/>
+        <a:font script="Arab" typeface="Arial"/>
+        <a:font script="Hebr" typeface="Arial"/>
+        <a:font script="Thai" typeface="Cordia New"/>
+        <a:font script="Ethi" typeface="Nyala"/>
+        <a:font script="Beng" typeface="Vrinda"/>
+        <a:font script="Gujr" typeface="Shruti"/>
+        <a:font script="Khmr" typeface="DaunPenh"/>
+        <a:font script="Knda" typeface="Tunga"/>
+        <a:font script="Guru" typeface="Raavi"/>
+        <a:font script="Cans" typeface="Euphemia"/>
+        <a:font script="Cher" typeface="Plantagenet Cherokee"/>
+        <a:font script="Yiii" typeface="Microsoft Yi Baiti"/>
+        <a:font script="Tibt" typeface="Microsoft Himalaya"/>
+        <a:font script="Thaa" typeface="MV Boli"/>
+        <a:font script="Deva" typeface="Mangal"/>
+        <a:font script="Telu" typeface="Gautami"/>
+        <a:font script="Taml" typeface="Latha"/>
+        <a:font script="Syrc" typeface="Estrangelo Edessa"/>
+        <a:font script="Orya" typeface="Kalinga"/>
+        <a:font script="Mlym" typeface="Kartika"/>
+        <a:font script="Laoo" typeface="DokChampa"/>
+        <a:font script="Sinh" typeface="Iskoola Pota"/>
+        <a:font script="Mong" typeface="Mongolian Baiti"/>
+        <a:font script="Viet" typeface="Arial"/>
+        <a:font script="Uigh" typeface="Microsoft Uighur"/>
+        <a:font script="Geor" typeface="Sylfaen"/>
+      </a:minorFont>
+    </a:fontScheme>
+    <a:fmtScheme name="Office">
+      <a:fillStyleLst>
+        <a:solidFill>
+          <a:schemeClr val="phClr"/>
+        </a:solidFill>
+        <a:gradFill rotWithShape="1">
+          <a:gsLst>
+            <a:gs pos="0">
+              <a:schemeClr val="phClr">
+                <a:lumMod val="110000"/>
+                <a:satMod val="105000"/>
+                <a:tint val="67000"/>
+              </a:schemeClr>
+            </a:gs>
+            <a:gs pos="50000">
+              <a:schemeClr val="phClr">
+                <a:lumMod val="105000"/>
+                <a:satMod val="103000"/>
+                <a:tint val="73000"/>
+              </a:schemeClr>
+            </a:gs>
+            <a:gs pos="100000">
+              <a:schemeClr val="phClr">
+                <a:lumMod val="105000"/>
+                <a:satMod val="109000"/>
+                <a:tint val="81000"/>
+              </a:schemeClr>
+            </a:gs>
+          </a:gsLst>
+          <a:lin ang="5400000" scaled="0"/>
+        </a:gradFill>
+        <a:gradFill rotWithShape="1">
+          <a:gsLst>
+            <a:gs pos="0">
+              <a:schemeClr val="phClr">
+                <a:satMod val="103000"/>
+                <a:lumMod val="102000"/>
+                <a:tint val="94000"/>
+              </a:schemeClr>
+            </a:gs>
+            <a:gs pos="50000">
+              <a:schemeClr val="phClr">
+                <a:satMod val="110000"/>
+                <a:lumMod val="100000"/>
+                <a:shade val="100000"/>
+              </a:schemeClr>
+            </a:gs>
+            <a:gs pos="100000">
+              <a:schemeClr val="phClr">
+                <a:lumMod val="99000"/>
+                <a:satMod val="120000"/>
+                <a:shade val="78000"/>
+              </a:schemeClr>
+            </a:gs>
+          </a:gsLst>
+          <a:lin ang="5400000" scaled="0"/>
+        </a:gradFill>
+      </a:fillStyleLst>
+      <a:lnStyleLst>
+        <a:ln w="6350" cap="flat" cmpd="sng" algn="ctr">
+          <a:solidFill>
+            <a:schemeClr val="phClr"/>
+          </a:solidFill>
+          <a:prstDash val="solid"/>
+          <a:miter lim="800000"/>
+        </a:ln>
+        <a:ln w="12700" cap="flat" cmpd="sng" algn="ctr">
+          <a:solidFill>
+            <a:schemeClr val="phClr"/>
+          </a:solidFill>
+          <a:prstDash val="solid"/>
+          <a:miter lim="800000"/>
+        </a:ln>
+        <a:ln w="19050" cap="flat" cmpd="sng" algn="ctr">
+          <a:solidFill>
+            <a:schemeClr val="phClr"/>
+          </a:solidFill>
+          <a:prstDash val="solid"/>
+          <a:miter lim="800000"/>
+        </a:ln>
+      </a:lnStyleLst>
+      <a:effectStyleLst>
+        <a:effectStyle>
+          <a:effectLst/>
+        </a:effectStyle>
+        <a:effectStyle>
+          <a:effectLst/>
+        </a:effectStyle>
+        <a:effectStyle>
+          <a:effectLst>
+            <a:outerShdw blurRad="57150" dist="19050" dir="5400000" algn="ctr" rotWithShape="0">
+              <a:srgbClr val="000000">
+                <a:alpha val="63000"/>
+              </a:srgbClr>
+            </a:outerShdw>
+          </a:effectLst>
+        </a:effectStyle>
+      </a:effectStyleLst>
+      <a:bgFillStyleLst>
+        <a:solidFill>
+          <a:schemeClr val="phClr"/>
+        </a:solidFill>
+        <a:solidFill>
+          <a:schemeClr val="phClr">
+            <a:tint val="95000"/>
+            <a:satMod val="170000"/>
+          </a:schemeClr>
+        </a:solidFill>
+        <a:gradFill rotWithShape="1">
+          <a:gsLst>
+            <a:gs pos="0">
+              <a:schemeClr val="phClr">
+                <a:tint val="93000"/>
+                <a:satMod val="150000"/>
+                <a:shade val="98000"/>
+                <a:lumMod val="102000"/>
+              </a:schemeClr>
+            </a:gs>
+            <a:gs pos="50000">
+              <a:schemeClr val="phClr">
+                <a:tint val="98000"/>
+                <a:satMod val="130000"/>
+                <a:shade val="90000"/>
+                <a:lumMod val="103000"/>
+              </a:schemeClr>
+            </a:gs>
+            <a:gs pos="100000">
+              <a:schemeClr val="phClr">
+                <a:shade val="63000"/>
+                <a:satMod val="120000"/>
+              </a:schemeClr>
+            </a:gs>
+          </a:gsLst>
+          <a:lin ang="5400000" scaled="0"/>
+        </a:gradFill>
+      </a:bgFillStyleLst>
+    </a:fmtScheme>
+  </a:themeElements>
+  <a:objectDefaults/>
+  <a:extraClrSchemeLst/>
+  <a:extLst>
+    <a:ext uri="{05A4C25C-085E-4340-85A3-A5531E510DB2}">
+      <thm15:themeFamily xmlns:thm15="http://schemas.microsoft.com/office/thememl/2012/main" name="Office Theme" id="{62F939B6-93AF-4DB8-9C6B-D6C7DFDC589F}" vid="{4A3C46E8-61CC-4603-A589-7422A47A8E4A}"/>
+    </a:ext>
+  </a:extLst>
+</a:theme>
 </file>
--- a/Präsentation.pptx
+++ b/Präsentation.pptx
@@ -205,7 +205,7 @@
           <a:p>
             <a:fld id="{419C9940-0C61-4F21-8F25-6E6112C8342E}" type="datetimeFigureOut">
               <a:rPr lang="de-DE" smtClean="0"/>
-              <a:t>22.01.2018</a:t>
+              <a:t>23.01.2018</a:t>
             </a:fld>
             <a:endParaRPr lang="de-DE"/>
           </a:p>
@@ -772,7 +772,7 @@
           <a:p>
             <a:fld id="{81350F87-EA89-4E00-A32E-A06403EE044E}" type="datetimeFigureOut">
               <a:rPr lang="de-DE" smtClean="0"/>
-              <a:t>22.01.2018</a:t>
+              <a:t>23.01.2018</a:t>
             </a:fld>
             <a:endParaRPr lang="de-DE"/>
           </a:p>
@@ -942,7 +942,7 @@
           <a:p>
             <a:fld id="{81350F87-EA89-4E00-A32E-A06403EE044E}" type="datetimeFigureOut">
               <a:rPr lang="de-DE" smtClean="0"/>
-              <a:t>22.01.2018</a:t>
+              <a:t>23.01.2018</a:t>
             </a:fld>
             <a:endParaRPr lang="de-DE"/>
           </a:p>
@@ -1122,7 +1122,7 @@
           <a:p>
             <a:fld id="{81350F87-EA89-4E00-A32E-A06403EE044E}" type="datetimeFigureOut">
               <a:rPr lang="de-DE" smtClean="0"/>
-              <a:t>22.01.2018</a:t>
+              <a:t>23.01.2018</a:t>
             </a:fld>
             <a:endParaRPr lang="de-DE"/>
           </a:p>
@@ -1292,7 +1292,7 @@
           <a:p>
             <a:fld id="{81350F87-EA89-4E00-A32E-A06403EE044E}" type="datetimeFigureOut">
               <a:rPr lang="de-DE" smtClean="0"/>
-              <a:t>22.01.2018</a:t>
+              <a:t>23.01.2018</a:t>
             </a:fld>
             <a:endParaRPr lang="de-DE"/>
           </a:p>
@@ -1538,7 +1538,7 @@
           <a:p>
             <a:fld id="{81350F87-EA89-4E00-A32E-A06403EE044E}" type="datetimeFigureOut">
               <a:rPr lang="de-DE" smtClean="0"/>
-              <a:t>22.01.2018</a:t>
+              <a:t>23.01.2018</a:t>
             </a:fld>
             <a:endParaRPr lang="de-DE"/>
           </a:p>
@@ -1770,7 +1770,7 @@
           <a:p>
             <a:fld id="{81350F87-EA89-4E00-A32E-A06403EE044E}" type="datetimeFigureOut">
               <a:rPr lang="de-DE" smtClean="0"/>
-              <a:t>22.01.2018</a:t>
+              <a:t>23.01.2018</a:t>
             </a:fld>
             <a:endParaRPr lang="de-DE"/>
           </a:p>
@@ -2137,7 +2137,7 @@
           <a:p>
             <a:fld id="{81350F87-EA89-4E00-A32E-A06403EE044E}" type="datetimeFigureOut">
               <a:rPr lang="de-DE" smtClean="0"/>
-              <a:t>22.01.2018</a:t>
+              <a:t>23.01.2018</a:t>
             </a:fld>
             <a:endParaRPr lang="de-DE"/>
           </a:p>
@@ -2255,7 +2255,7 @@
           <a:p>
             <a:fld id="{81350F87-EA89-4E00-A32E-A06403EE044E}" type="datetimeFigureOut">
               <a:rPr lang="de-DE" smtClean="0"/>
-              <a:t>22.01.2018</a:t>
+              <a:t>23.01.2018</a:t>
             </a:fld>
             <a:endParaRPr lang="de-DE"/>
           </a:p>
@@ -2350,7 +2350,7 @@
           <a:p>
             <a:fld id="{81350F87-EA89-4E00-A32E-A06403EE044E}" type="datetimeFigureOut">
               <a:rPr lang="de-DE" smtClean="0"/>
-              <a:t>22.01.2018</a:t>
+              <a:t>23.01.2018</a:t>
             </a:fld>
             <a:endParaRPr lang="de-DE"/>
           </a:p>
@@ -2627,7 +2627,7 @@
           <a:p>
             <a:fld id="{81350F87-EA89-4E00-A32E-A06403EE044E}" type="datetimeFigureOut">
               <a:rPr lang="de-DE" smtClean="0"/>
-              <a:t>22.01.2018</a:t>
+              <a:t>23.01.2018</a:t>
             </a:fld>
             <a:endParaRPr lang="de-DE"/>
           </a:p>
@@ -2880,7 +2880,7 @@
           <a:p>
             <a:fld id="{81350F87-EA89-4E00-A32E-A06403EE044E}" type="datetimeFigureOut">
               <a:rPr lang="de-DE" smtClean="0"/>
-              <a:t>22.01.2018</a:t>
+              <a:t>23.01.2018</a:t>
             </a:fld>
             <a:endParaRPr lang="de-DE"/>
           </a:p>
@@ -3093,7 +3093,7 @@
           <a:p>
             <a:fld id="{81350F87-EA89-4E00-A32E-A06403EE044E}" type="datetimeFigureOut">
               <a:rPr lang="de-DE" smtClean="0"/>
-              <a:t>22.01.2018</a:t>
+              <a:t>23.01.2018</a:t>
             </a:fld>
             <a:endParaRPr lang="de-DE"/>
           </a:p>
@@ -3484,6 +3484,14 @@
 <file path=ppt/slides/slide1.xml><?xml version="1.0" encoding="utf-8"?>
 <p:sld xmlns:a="http://schemas.openxmlformats.org/drawingml/2006/main" xmlns:r="http://schemas.openxmlformats.org/officeDocument/2006/relationships" xmlns:p="http://schemas.openxmlformats.org/presentationml/2006/main">
   <p:cSld>
+    <p:bg>
+      <p:bgPr>
+        <a:solidFill>
+          <a:srgbClr val="FAFAFA"/>
+        </a:solidFill>
+        <a:effectLst/>
+      </p:bgPr>
+    </p:bg>
     <p:spTree>
       <p:nvGrpSpPr>
         <p:cNvPr id="1" name=""/>
@@ -3498,6 +3506,30 @@
           <a:chExt cx="0" cy="0"/>
         </a:xfrm>
       </p:grpSpPr>
+      <p:pic>
+        <p:nvPicPr>
+          <p:cNvPr id="4" name="Grafik 3"/>
+          <p:cNvPicPr>
+            <a:picLocks noChangeAspect="1"/>
+          </p:cNvPicPr>
+          <p:nvPr/>
+        </p:nvPicPr>
+        <p:blipFill>
+          <a:blip r:embed="rId3"/>
+          <a:stretch>
+            <a:fillRect/>
+          </a:stretch>
+        </p:blipFill>
+        <p:spPr>
+          <a:xfrm>
+            <a:off x="0" y="0"/>
+            <a:ext cx="12192000" cy="1860985"/>
+          </a:xfrm>
+          <a:prstGeom prst="rect">
+            <a:avLst/>
+          </a:prstGeom>
+        </p:spPr>
+      </p:pic>
       <p:sp>
         <p:nvSpPr>
           <p:cNvPr id="2" name="Titel 1"/>
@@ -3531,7 +3563,7 @@
               <a:rPr lang="de-DE" sz="4400" dirty="0"/>
             </a:br>
             <a:r>
-              <a:rPr lang="de-DE" sz="4400" b="1" dirty="0"/>
+              <a:rPr lang="de-DE" sz="4400" b="1" dirty="0" smtClean="0"/>
               <a:t>eLearning-App</a:t>
             </a:r>
             <a:endParaRPr lang="de-DE" sz="4400" dirty="0"/>
@@ -3603,6 +3635,14 @@
 <file path=ppt/slides/slide2.xml><?xml version="1.0" encoding="utf-8"?>
 <p:sld xmlns:a="http://schemas.openxmlformats.org/drawingml/2006/main" xmlns:r="http://schemas.openxmlformats.org/officeDocument/2006/relationships" xmlns:p="http://schemas.openxmlformats.org/presentationml/2006/main">
   <p:cSld>
+    <p:bg>
+      <p:bgPr>
+        <a:solidFill>
+          <a:srgbClr val="FAFAFA"/>
+        </a:solidFill>
+        <a:effectLst/>
+      </p:bgPr>
+    </p:bg>
     <p:spTree>
       <p:nvGrpSpPr>
         <p:cNvPr id="1" name=""/>
@@ -3617,6 +3657,30 @@
           <a:chExt cx="0" cy="0"/>
         </a:xfrm>
       </p:grpSpPr>
+      <p:pic>
+        <p:nvPicPr>
+          <p:cNvPr id="5" name="Grafik 4"/>
+          <p:cNvPicPr>
+            <a:picLocks noChangeAspect="1"/>
+          </p:cNvPicPr>
+          <p:nvPr/>
+        </p:nvPicPr>
+        <p:blipFill>
+          <a:blip r:embed="rId3"/>
+          <a:stretch>
+            <a:fillRect/>
+          </a:stretch>
+        </p:blipFill>
+        <p:spPr>
+          <a:xfrm>
+            <a:off x="0" y="0"/>
+            <a:ext cx="12192000" cy="1860985"/>
+          </a:xfrm>
+          <a:prstGeom prst="rect">
+            <a:avLst/>
+          </a:prstGeom>
+        </p:spPr>
+      </p:pic>
       <p:sp>
         <p:nvSpPr>
           <p:cNvPr id="2" name="Titel 1"/>
@@ -3629,14 +3693,23 @@
         </p:nvSpPr>
         <p:spPr/>
         <p:txBody>
-          <a:bodyPr/>
-          <a:lstStyle/>
-          <a:p>
-            <a:r>
-              <a:rPr lang="de-DE" dirty="0" smtClean="0"/>
+          <a:bodyPr>
+            <a:normAutofit/>
+          </a:bodyPr>
+          <a:lstStyle/>
+          <a:p>
+            <a:r>
+              <a:rPr lang="de-DE" sz="3600" b="1" dirty="0" smtClean="0"/>
+              <a:t/>
+            </a:r>
+            <a:br>
+              <a:rPr lang="de-DE" sz="3600" b="1" dirty="0" smtClean="0"/>
+            </a:br>
+            <a:r>
+              <a:rPr lang="de-DE" sz="3600" b="1" dirty="0" smtClean="0"/>
               <a:t>Gliederung</a:t>
             </a:r>
-            <a:endParaRPr lang="de-DE" dirty="0"/>
+            <a:endParaRPr lang="de-DE" sz="3600" b="1" dirty="0"/>
           </a:p>
         </p:txBody>
       </p:sp>
@@ -3691,23 +3764,39 @@
           <a:p>
             <a:r>
               <a:rPr lang="de-DE" dirty="0" smtClean="0"/>
-              <a:t>PLATZHALTER</a:t>
-            </a:r>
-          </a:p>
-          <a:p>
+              <a:t>Vorstellung </a:t>
+            </a:r>
             <a:r>
               <a:rPr lang="de-DE" dirty="0" smtClean="0"/>
-              <a:t>PLATZHALTER</a:t>
-            </a:r>
-          </a:p>
-          <a:p>
-            <a:r>
-              <a:rPr lang="de-DE" dirty="0" smtClean="0"/>
-              <a:t>Vorstellung des Programm(-codes)</a:t>
-            </a:r>
-          </a:p>
-        </p:txBody>
-      </p:sp>
+              <a:t>des Programm(-codes)</a:t>
+            </a:r>
+          </a:p>
+        </p:txBody>
+      </p:sp>
+      <p:pic>
+        <p:nvPicPr>
+          <p:cNvPr id="4" name="Grafik 3"/>
+          <p:cNvPicPr>
+            <a:picLocks noChangeAspect="1"/>
+          </p:cNvPicPr>
+          <p:nvPr/>
+        </p:nvPicPr>
+        <p:blipFill>
+          <a:blip r:embed="rId4"/>
+          <a:stretch>
+            <a:fillRect/>
+          </a:stretch>
+        </p:blipFill>
+        <p:spPr>
+          <a:xfrm>
+            <a:off x="10272732" y="6176963"/>
+            <a:ext cx="1762515" cy="508862"/>
+          </a:xfrm>
+          <a:prstGeom prst="rect">
+            <a:avLst/>
+          </a:prstGeom>
+        </p:spPr>
+      </p:pic>
     </p:spTree>
     <p:extLst>
       <p:ext uri="{BB962C8B-B14F-4D97-AF65-F5344CB8AC3E}">
@@ -3731,6 +3820,14 @@
 <file path=ppt/slides/slide3.xml><?xml version="1.0" encoding="utf-8"?>
 <p:sld xmlns:a="http://schemas.openxmlformats.org/drawingml/2006/main" xmlns:r="http://schemas.openxmlformats.org/officeDocument/2006/relationships" xmlns:p="http://schemas.openxmlformats.org/presentationml/2006/main">
   <p:cSld>
+    <p:bg>
+      <p:bgPr>
+        <a:solidFill>
+          <a:srgbClr val="FAFAFA"/>
+        </a:solidFill>
+        <a:effectLst/>
+      </p:bgPr>
+    </p:bg>
     <p:spTree>
       <p:nvGrpSpPr>
         <p:cNvPr id="1" name=""/>
@@ -3745,6 +3842,30 @@
           <a:chExt cx="0" cy="0"/>
         </a:xfrm>
       </p:grpSpPr>
+      <p:pic>
+        <p:nvPicPr>
+          <p:cNvPr id="5" name="Grafik 4"/>
+          <p:cNvPicPr>
+            <a:picLocks noChangeAspect="1"/>
+          </p:cNvPicPr>
+          <p:nvPr/>
+        </p:nvPicPr>
+        <p:blipFill>
+          <a:blip r:embed="rId2"/>
+          <a:stretch>
+            <a:fillRect/>
+          </a:stretch>
+        </p:blipFill>
+        <p:spPr>
+          <a:xfrm>
+            <a:off x="0" y="0"/>
+            <a:ext cx="12192000" cy="1860985"/>
+          </a:xfrm>
+          <a:prstGeom prst="rect">
+            <a:avLst/>
+          </a:prstGeom>
+        </p:spPr>
+      </p:pic>
       <p:sp>
         <p:nvSpPr>
           <p:cNvPr id="2" name="Titel 1"/>
@@ -3757,14 +3878,27 @@
         </p:nvSpPr>
         <p:spPr/>
         <p:txBody>
-          <a:bodyPr/>
-          <a:lstStyle/>
-          <a:p>
-            <a:r>
-              <a:rPr lang="de-DE" dirty="0" smtClean="0"/>
-              <a:t>Die Idee</a:t>
-            </a:r>
-            <a:endParaRPr lang="de-DE" dirty="0"/>
+          <a:bodyPr>
+            <a:normAutofit/>
+          </a:bodyPr>
+          <a:lstStyle/>
+          <a:p>
+            <a:r>
+              <a:rPr lang="de-DE" sz="3600" b="1" dirty="0" smtClean="0"/>
+              <a:t/>
+            </a:r>
+            <a:br>
+              <a:rPr lang="de-DE" sz="3600" b="1" dirty="0" smtClean="0"/>
+            </a:br>
+            <a:r>
+              <a:rPr lang="de-DE" sz="3600" b="1" dirty="0" smtClean="0"/>
+              <a:t>Die </a:t>
+            </a:r>
+            <a:r>
+              <a:rPr lang="de-DE" sz="3600" b="1" dirty="0" smtClean="0"/>
+              <a:t>Idee</a:t>
+            </a:r>
+            <a:endParaRPr lang="de-DE" sz="3600" b="1" dirty="0"/>
           </a:p>
         </p:txBody>
       </p:sp>
@@ -3848,6 +3982,30 @@
           </a:p>
         </p:txBody>
       </p:sp>
+      <p:pic>
+        <p:nvPicPr>
+          <p:cNvPr id="4" name="Grafik 3"/>
+          <p:cNvPicPr>
+            <a:picLocks noChangeAspect="1"/>
+          </p:cNvPicPr>
+          <p:nvPr/>
+        </p:nvPicPr>
+        <p:blipFill>
+          <a:blip r:embed="rId3"/>
+          <a:stretch>
+            <a:fillRect/>
+          </a:stretch>
+        </p:blipFill>
+        <p:spPr>
+          <a:xfrm>
+            <a:off x="10272732" y="6176963"/>
+            <a:ext cx="1762515" cy="508862"/>
+          </a:xfrm>
+          <a:prstGeom prst="rect">
+            <a:avLst/>
+          </a:prstGeom>
+        </p:spPr>
+      </p:pic>
     </p:spTree>
     <p:extLst>
       <p:ext uri="{BB962C8B-B14F-4D97-AF65-F5344CB8AC3E}">
@@ -3871,6 +4029,14 @@
 <file path=ppt/slides/slide4.xml><?xml version="1.0" encoding="utf-8"?>
 <p:sld xmlns:a="http://schemas.openxmlformats.org/drawingml/2006/main" xmlns:r="http://schemas.openxmlformats.org/officeDocument/2006/relationships" xmlns:p="http://schemas.openxmlformats.org/presentationml/2006/main">
   <p:cSld>
+    <p:bg>
+      <p:bgPr>
+        <a:solidFill>
+          <a:srgbClr val="FAFAFA"/>
+        </a:solidFill>
+        <a:effectLst/>
+      </p:bgPr>
+    </p:bg>
     <p:spTree>
       <p:nvGrpSpPr>
         <p:cNvPr id="1" name=""/>
@@ -3885,6 +4051,30 @@
           <a:chExt cx="0" cy="0"/>
         </a:xfrm>
       </p:grpSpPr>
+      <p:pic>
+        <p:nvPicPr>
+          <p:cNvPr id="5" name="Grafik 4"/>
+          <p:cNvPicPr>
+            <a:picLocks noChangeAspect="1"/>
+          </p:cNvPicPr>
+          <p:nvPr/>
+        </p:nvPicPr>
+        <p:blipFill>
+          <a:blip r:embed="rId2"/>
+          <a:stretch>
+            <a:fillRect/>
+          </a:stretch>
+        </p:blipFill>
+        <p:spPr>
+          <a:xfrm>
+            <a:off x="0" y="0"/>
+            <a:ext cx="12192000" cy="1860985"/>
+          </a:xfrm>
+          <a:prstGeom prst="rect">
+            <a:avLst/>
+          </a:prstGeom>
+        </p:spPr>
+      </p:pic>
       <p:sp>
         <p:nvSpPr>
           <p:cNvPr id="2" name="Titel 1"/>
@@ -3897,18 +4087,31 @@
         </p:nvSpPr>
         <p:spPr/>
         <p:txBody>
-          <a:bodyPr/>
-          <a:lstStyle/>
-          <a:p>
-            <a:r>
-              <a:rPr lang="de-DE" dirty="0"/>
-              <a:t>Framework und </a:t>
-            </a:r>
-            <a:r>
-              <a:rPr lang="de-DE" dirty="0" smtClean="0"/>
+          <a:bodyPr>
+            <a:noAutofit/>
+          </a:bodyPr>
+          <a:lstStyle/>
+          <a:p>
+            <a:r>
+              <a:rPr lang="de-DE" sz="3600" b="1" dirty="0" smtClean="0"/>
+              <a:t/>
+            </a:r>
+            <a:br>
+              <a:rPr lang="de-DE" sz="3600" b="1" dirty="0" smtClean="0"/>
+            </a:br>
+            <a:r>
+              <a:rPr lang="de-DE" sz="3600" b="1" dirty="0" smtClean="0"/>
+              <a:t>Framework </a:t>
+            </a:r>
+            <a:r>
+              <a:rPr lang="de-DE" sz="3600" b="1" dirty="0"/>
+              <a:t>und </a:t>
+            </a:r>
+            <a:r>
+              <a:rPr lang="de-DE" sz="3600" b="1" dirty="0" smtClean="0"/>
               <a:t>Programmiersprache</a:t>
             </a:r>
-            <a:endParaRPr lang="de-DE" dirty="0"/>
+            <a:endParaRPr lang="de-DE" sz="3600" b="1" dirty="0"/>
           </a:p>
         </p:txBody>
       </p:sp>
@@ -3942,11 +4145,15 @@
             </a:r>
             <a:r>
               <a:rPr lang="de-DE" dirty="0" smtClean="0"/>
-              <a:t>Core MVC-Webanwendungen und </a:t>
+              <a:t>Core MVC-Webanwendungen </a:t>
+            </a:r>
+            <a:r>
+              <a:rPr lang="de-DE" dirty="0" smtClean="0"/>
+              <a:t>und Entity </a:t>
             </a:r>
             <a:r>
               <a:rPr lang="de-DE" dirty="0"/>
-              <a:t> Entity Framework Core</a:t>
+              <a:t>Framework Core</a:t>
             </a:r>
           </a:p>
           <a:p>
@@ -3988,6 +4195,30 @@
           </a:p>
         </p:txBody>
       </p:sp>
+      <p:pic>
+        <p:nvPicPr>
+          <p:cNvPr id="4" name="Grafik 3"/>
+          <p:cNvPicPr>
+            <a:picLocks noChangeAspect="1"/>
+          </p:cNvPicPr>
+          <p:nvPr/>
+        </p:nvPicPr>
+        <p:blipFill>
+          <a:blip r:embed="rId3"/>
+          <a:stretch>
+            <a:fillRect/>
+          </a:stretch>
+        </p:blipFill>
+        <p:spPr>
+          <a:xfrm>
+            <a:off x="10272732" y="6176963"/>
+            <a:ext cx="1762515" cy="508862"/>
+          </a:xfrm>
+          <a:prstGeom prst="rect">
+            <a:avLst/>
+          </a:prstGeom>
+        </p:spPr>
+      </p:pic>
     </p:spTree>
     <p:extLst>
       <p:ext uri="{BB962C8B-B14F-4D97-AF65-F5344CB8AC3E}">
@@ -4011,6 +4242,14 @@
 <file path=ppt/slides/slide5.xml><?xml version="1.0" encoding="utf-8"?>
 <p:sld xmlns:a="http://schemas.openxmlformats.org/drawingml/2006/main" xmlns:r="http://schemas.openxmlformats.org/officeDocument/2006/relationships" xmlns:p="http://schemas.openxmlformats.org/presentationml/2006/main">
   <p:cSld>
+    <p:bg>
+      <p:bgPr>
+        <a:solidFill>
+          <a:srgbClr val="FAFAFA"/>
+        </a:solidFill>
+        <a:effectLst/>
+      </p:bgPr>
+    </p:bg>
     <p:spTree>
       <p:nvGrpSpPr>
         <p:cNvPr id="1" name=""/>
@@ -4025,33 +4264,6 @@
           <a:chExt cx="0" cy="0"/>
         </a:xfrm>
       </p:grpSpPr>
-      <p:sp>
-        <p:nvSpPr>
-          <p:cNvPr id="2" name="Titel 1"/>
-          <p:cNvSpPr>
-            <a:spLocks noGrp="1"/>
-          </p:cNvSpPr>
-          <p:nvPr>
-            <p:ph type="title"/>
-          </p:nvPr>
-        </p:nvSpPr>
-        <p:spPr/>
-        <p:txBody>
-          <a:bodyPr/>
-          <a:lstStyle/>
-          <a:p>
-            <a:r>
-              <a:rPr lang="de-DE" dirty="0" err="1" smtClean="0"/>
-              <a:t>Use</a:t>
-            </a:r>
-            <a:r>
-              <a:rPr lang="de-DE" dirty="0" smtClean="0"/>
-              <a:t> Case Diagramm</a:t>
-            </a:r>
-            <a:endParaRPr lang="de-DE" dirty="0"/>
-          </a:p>
-        </p:txBody>
-      </p:sp>
       <p:pic>
         <p:nvPicPr>
           <p:cNvPr id="4" name="Inhaltsplatzhalter 3"/>
@@ -4079,6 +4291,94 @@
             <a:off x="2409695" y="1393371"/>
             <a:ext cx="7648705" cy="5411174"/>
           </a:xfrm>
+        </p:spPr>
+      </p:pic>
+      <p:pic>
+        <p:nvPicPr>
+          <p:cNvPr id="6" name="Grafik 5"/>
+          <p:cNvPicPr>
+            <a:picLocks noChangeAspect="1"/>
+          </p:cNvPicPr>
+          <p:nvPr/>
+        </p:nvPicPr>
+        <p:blipFill>
+          <a:blip r:embed="rId3"/>
+          <a:stretch>
+            <a:fillRect/>
+          </a:stretch>
+        </p:blipFill>
+        <p:spPr>
+          <a:xfrm>
+            <a:off x="0" y="0"/>
+            <a:ext cx="12192000" cy="1860985"/>
+          </a:xfrm>
+          <a:prstGeom prst="rect">
+            <a:avLst/>
+          </a:prstGeom>
+        </p:spPr>
+      </p:pic>
+      <p:sp>
+        <p:nvSpPr>
+          <p:cNvPr id="2" name="Titel 1"/>
+          <p:cNvSpPr>
+            <a:spLocks noGrp="1"/>
+          </p:cNvSpPr>
+          <p:nvPr>
+            <p:ph type="title"/>
+          </p:nvPr>
+        </p:nvSpPr>
+        <p:spPr/>
+        <p:txBody>
+          <a:bodyPr>
+            <a:noAutofit/>
+          </a:bodyPr>
+          <a:lstStyle/>
+          <a:p>
+            <a:r>
+              <a:rPr lang="de-DE" sz="3600" b="1" dirty="0" smtClean="0"/>
+              <a:t/>
+            </a:r>
+            <a:br>
+              <a:rPr lang="de-DE" sz="3600" b="1" dirty="0" smtClean="0"/>
+            </a:br>
+            <a:r>
+              <a:rPr lang="de-DE" sz="3600" b="1" dirty="0" err="1" smtClean="0"/>
+              <a:t>Use</a:t>
+            </a:r>
+            <a:r>
+              <a:rPr lang="de-DE" sz="3600" b="1" dirty="0" smtClean="0"/>
+              <a:t> </a:t>
+            </a:r>
+            <a:r>
+              <a:rPr lang="de-DE" sz="3600" b="1" dirty="0" smtClean="0"/>
+              <a:t>Case Diagramm</a:t>
+            </a:r>
+            <a:endParaRPr lang="de-DE" sz="3600" b="1" dirty="0"/>
+          </a:p>
+        </p:txBody>
+      </p:sp>
+      <p:pic>
+        <p:nvPicPr>
+          <p:cNvPr id="5" name="Grafik 4"/>
+          <p:cNvPicPr>
+            <a:picLocks noChangeAspect="1"/>
+          </p:cNvPicPr>
+          <p:nvPr/>
+        </p:nvPicPr>
+        <p:blipFill>
+          <a:blip r:embed="rId4"/>
+          <a:stretch>
+            <a:fillRect/>
+          </a:stretch>
+        </p:blipFill>
+        <p:spPr>
+          <a:xfrm>
+            <a:off x="10272732" y="6176963"/>
+            <a:ext cx="1762515" cy="508862"/>
+          </a:xfrm>
+          <a:prstGeom prst="rect">
+            <a:avLst/>
+          </a:prstGeom>
         </p:spPr>
       </p:pic>
     </p:spTree>
@@ -4104,6 +4404,14 @@
 <file path=ppt/slides/slide6.xml><?xml version="1.0" encoding="utf-8"?>
 <p:sld xmlns:a="http://schemas.openxmlformats.org/drawingml/2006/main" xmlns:r="http://schemas.openxmlformats.org/officeDocument/2006/relationships" xmlns:p="http://schemas.openxmlformats.org/presentationml/2006/main">
   <p:cSld>
+    <p:bg>
+      <p:bgPr>
+        <a:solidFill>
+          <a:srgbClr val="FAFAFA"/>
+        </a:solidFill>
+        <a:effectLst/>
+      </p:bgPr>
+    </p:bg>
     <p:spTree>
       <p:nvGrpSpPr>
         <p:cNvPr id="1" name=""/>
@@ -4118,6 +4426,30 @@
           <a:chExt cx="0" cy="0"/>
         </a:xfrm>
       </p:grpSpPr>
+      <p:pic>
+        <p:nvPicPr>
+          <p:cNvPr id="7" name="Grafik 6"/>
+          <p:cNvPicPr>
+            <a:picLocks noChangeAspect="1"/>
+          </p:cNvPicPr>
+          <p:nvPr/>
+        </p:nvPicPr>
+        <p:blipFill>
+          <a:blip r:embed="rId2"/>
+          <a:stretch>
+            <a:fillRect/>
+          </a:stretch>
+        </p:blipFill>
+        <p:spPr>
+          <a:xfrm>
+            <a:off x="0" y="0"/>
+            <a:ext cx="12192000" cy="1860985"/>
+          </a:xfrm>
+          <a:prstGeom prst="rect">
+            <a:avLst/>
+          </a:prstGeom>
+        </p:spPr>
+      </p:pic>
       <p:sp>
         <p:nvSpPr>
           <p:cNvPr id="2" name="Titel 1"/>
@@ -4130,14 +4462,23 @@
         </p:nvSpPr>
         <p:spPr/>
         <p:txBody>
-          <a:bodyPr/>
-          <a:lstStyle/>
-          <a:p>
-            <a:r>
-              <a:rPr lang="de-DE" dirty="0" smtClean="0"/>
+          <a:bodyPr>
+            <a:normAutofit/>
+          </a:bodyPr>
+          <a:lstStyle/>
+          <a:p>
+            <a:r>
+              <a:rPr lang="de-DE" sz="3600" b="1" dirty="0" smtClean="0"/>
+              <a:t/>
+            </a:r>
+            <a:br>
+              <a:rPr lang="de-DE" sz="3600" b="1" dirty="0" smtClean="0"/>
+            </a:br>
+            <a:r>
+              <a:rPr lang="de-DE" sz="3600" b="1" dirty="0" smtClean="0"/>
               <a:t>Datenbankmodell</a:t>
             </a:r>
-            <a:endParaRPr lang="de-DE" dirty="0"/>
+            <a:endParaRPr lang="de-DE" sz="3600" b="1" dirty="0"/>
           </a:p>
         </p:txBody>
       </p:sp>
@@ -4152,7 +4493,7 @@
           </p:nvPr>
         </p:nvPicPr>
         <p:blipFill>
-          <a:blip r:embed="rId2">
+          <a:blip r:embed="rId3">
             <a:extLst>
               <a:ext uri="{28A0092B-C50C-407E-A947-70E740481C1C}">
                 <a14:useLocalDpi xmlns:a14="http://schemas.microsoft.com/office/drawing/2010/main" val="0"/>
@@ -4168,6 +4509,30 @@
             <a:off x="2381887" y="1825625"/>
             <a:ext cx="7428225" cy="4351338"/>
           </a:xfrm>
+        </p:spPr>
+      </p:pic>
+      <p:pic>
+        <p:nvPicPr>
+          <p:cNvPr id="5" name="Grafik 4"/>
+          <p:cNvPicPr>
+            <a:picLocks noChangeAspect="1"/>
+          </p:cNvPicPr>
+          <p:nvPr/>
+        </p:nvPicPr>
+        <p:blipFill>
+          <a:blip r:embed="rId4"/>
+          <a:stretch>
+            <a:fillRect/>
+          </a:stretch>
+        </p:blipFill>
+        <p:spPr>
+          <a:xfrm>
+            <a:off x="10272732" y="6176963"/>
+            <a:ext cx="1762515" cy="508862"/>
+          </a:xfrm>
+          <a:prstGeom prst="rect">
+            <a:avLst/>
+          </a:prstGeom>
         </p:spPr>
       </p:pic>
     </p:spTree>
@@ -4193,6 +4558,14 @@
 <file path=ppt/slides/slide7.xml><?xml version="1.0" encoding="utf-8"?>
 <p:sld xmlns:a="http://schemas.openxmlformats.org/drawingml/2006/main" xmlns:r="http://schemas.openxmlformats.org/officeDocument/2006/relationships" xmlns:p="http://schemas.openxmlformats.org/presentationml/2006/main">
   <p:cSld>
+    <p:bg>
+      <p:bgPr>
+        <a:solidFill>
+          <a:srgbClr val="FAFAFA"/>
+        </a:solidFill>
+        <a:effectLst/>
+      </p:bgPr>
+    </p:bg>
     <p:spTree>
       <p:nvGrpSpPr>
         <p:cNvPr id="1" name=""/>
@@ -4207,6 +4580,30 @@
           <a:chExt cx="0" cy="0"/>
         </a:xfrm>
       </p:grpSpPr>
+      <p:pic>
+        <p:nvPicPr>
+          <p:cNvPr id="5" name="Grafik 4"/>
+          <p:cNvPicPr>
+            <a:picLocks noChangeAspect="1"/>
+          </p:cNvPicPr>
+          <p:nvPr/>
+        </p:nvPicPr>
+        <p:blipFill>
+          <a:blip r:embed="rId2"/>
+          <a:stretch>
+            <a:fillRect/>
+          </a:stretch>
+        </p:blipFill>
+        <p:spPr>
+          <a:xfrm>
+            <a:off x="0" y="0"/>
+            <a:ext cx="12192000" cy="1860985"/>
+          </a:xfrm>
+          <a:prstGeom prst="rect">
+            <a:avLst/>
+          </a:prstGeom>
+        </p:spPr>
+      </p:pic>
       <p:sp>
         <p:nvSpPr>
           <p:cNvPr id="2" name="Titel 1"/>
@@ -4219,13 +4616,23 @@
         </p:nvSpPr>
         <p:spPr/>
         <p:txBody>
-          <a:bodyPr/>
-          <a:lstStyle/>
-          <a:p>
-            <a:r>
-              <a:rPr lang="de-DE" dirty="0"/>
+          <a:bodyPr>
+            <a:normAutofit/>
+          </a:bodyPr>
+          <a:lstStyle/>
+          <a:p>
+            <a:r>
+              <a:rPr lang="de-DE" sz="3600" dirty="0" smtClean="0"/>
+              <a:t/>
+            </a:r>
+            <a:br>
+              <a:rPr lang="de-DE" sz="3600" dirty="0" smtClean="0"/>
+            </a:br>
+            <a:r>
+              <a:rPr lang="de-DE" sz="3600" b="1" dirty="0" smtClean="0"/>
               <a:t>Probleme</a:t>
             </a:r>
+            <a:endParaRPr lang="de-DE" sz="3600" b="1" dirty="0"/>
           </a:p>
         </p:txBody>
       </p:sp>
@@ -4270,11 +4677,36 @@
             </a:pPr>
             <a:r>
               <a:rPr lang="de-DE" dirty="0" smtClean="0"/>
-              <a:t>Fehlendes Verständnis für Programmierung</a:t>
-            </a:r>
-          </a:p>
-        </p:txBody>
-      </p:sp>
+              <a:t>Programmierung</a:t>
+            </a:r>
+            <a:endParaRPr lang="de-DE" dirty="0" smtClean="0"/>
+          </a:p>
+        </p:txBody>
+      </p:sp>
+      <p:pic>
+        <p:nvPicPr>
+          <p:cNvPr id="4" name="Grafik 3"/>
+          <p:cNvPicPr>
+            <a:picLocks noChangeAspect="1"/>
+          </p:cNvPicPr>
+          <p:nvPr/>
+        </p:nvPicPr>
+        <p:blipFill>
+          <a:blip r:embed="rId3"/>
+          <a:stretch>
+            <a:fillRect/>
+          </a:stretch>
+        </p:blipFill>
+        <p:spPr>
+          <a:xfrm>
+            <a:off x="10272732" y="6176963"/>
+            <a:ext cx="1762515" cy="508862"/>
+          </a:xfrm>
+          <a:prstGeom prst="rect">
+            <a:avLst/>
+          </a:prstGeom>
+        </p:spPr>
+      </p:pic>
     </p:spTree>
     <p:extLst>
       <p:ext uri="{BB962C8B-B14F-4D97-AF65-F5344CB8AC3E}">
@@ -4298,6 +4730,14 @@
 <file path=ppt/slides/slide8.xml><?xml version="1.0" encoding="utf-8"?>
 <p:sld xmlns:a="http://schemas.openxmlformats.org/drawingml/2006/main" xmlns:r="http://schemas.openxmlformats.org/officeDocument/2006/relationships" xmlns:p="http://schemas.openxmlformats.org/presentationml/2006/main">
   <p:cSld>
+    <p:bg>
+      <p:bgPr>
+        <a:solidFill>
+          <a:srgbClr val="FAFAFA"/>
+        </a:solidFill>
+        <a:effectLst/>
+      </p:bgPr>
+    </p:bg>
     <p:spTree>
       <p:nvGrpSpPr>
         <p:cNvPr id="1" name=""/>
@@ -4312,6 +4752,30 @@
           <a:chExt cx="0" cy="0"/>
         </a:xfrm>
       </p:grpSpPr>
+      <p:pic>
+        <p:nvPicPr>
+          <p:cNvPr id="5" name="Grafik 4"/>
+          <p:cNvPicPr>
+            <a:picLocks noChangeAspect="1"/>
+          </p:cNvPicPr>
+          <p:nvPr/>
+        </p:nvPicPr>
+        <p:blipFill>
+          <a:blip r:embed="rId2"/>
+          <a:stretch>
+            <a:fillRect/>
+          </a:stretch>
+        </p:blipFill>
+        <p:spPr>
+          <a:xfrm>
+            <a:off x="0" y="0"/>
+            <a:ext cx="12192000" cy="1860985"/>
+          </a:xfrm>
+          <a:prstGeom prst="rect">
+            <a:avLst/>
+          </a:prstGeom>
+        </p:spPr>
+      </p:pic>
       <p:sp>
         <p:nvSpPr>
           <p:cNvPr id="2" name="Titel 1"/>
@@ -4324,40 +4788,85 @@
         </p:nvSpPr>
         <p:spPr/>
         <p:txBody>
-          <a:bodyPr/>
-          <a:lstStyle/>
-          <a:p>
-            <a:r>
-              <a:rPr lang="de-DE" dirty="0"/>
-              <a:t>Vorstellung des Programm(-codes</a:t>
-            </a:r>
-            <a:r>
-              <a:rPr lang="de-DE" dirty="0" smtClean="0"/>
+          <a:bodyPr>
+            <a:normAutofit/>
+          </a:bodyPr>
+          <a:lstStyle/>
+          <a:p>
+            <a:r>
+              <a:rPr lang="de-DE" sz="3600" b="1" dirty="0" smtClean="0"/>
+              <a:t/>
+            </a:r>
+            <a:br>
+              <a:rPr lang="de-DE" sz="3600" b="1" dirty="0" smtClean="0"/>
+            </a:br>
+            <a:r>
+              <a:rPr lang="de-DE" sz="3600" b="1" dirty="0" smtClean="0"/>
+              <a:t>Vorstellung </a:t>
+            </a:r>
+            <a:r>
+              <a:rPr lang="de-DE" sz="3600" b="1" dirty="0"/>
+              <a:t>des </a:t>
+            </a:r>
+            <a:r>
+              <a:rPr lang="de-DE" sz="3600" b="1" dirty="0" smtClean="0"/>
+              <a:t>Programm</a:t>
+            </a:r>
+            <a:r>
+              <a:rPr lang="de-DE" sz="3600" b="1" dirty="0"/>
+              <a:t>(-codes</a:t>
+            </a:r>
+            <a:r>
+              <a:rPr lang="de-DE" sz="3600" b="1" dirty="0" smtClean="0"/>
               <a:t>)</a:t>
             </a:r>
+            <a:endParaRPr lang="de-DE" sz="3600" b="1" dirty="0"/>
+          </a:p>
+        </p:txBody>
+      </p:sp>
+      <p:sp>
+        <p:nvSpPr>
+          <p:cNvPr id="3" name="Inhaltsplatzhalter 2"/>
+          <p:cNvSpPr>
+            <a:spLocks noGrp="1"/>
+          </p:cNvSpPr>
+          <p:nvPr>
+            <p:ph idx="1"/>
+          </p:nvPr>
+        </p:nvSpPr>
+        <p:spPr/>
+        <p:txBody>
+          <a:bodyPr/>
+          <a:lstStyle/>
+          <a:p>
             <a:endParaRPr lang="de-DE" dirty="0"/>
           </a:p>
         </p:txBody>
       </p:sp>
-      <p:sp>
-        <p:nvSpPr>
-          <p:cNvPr id="3" name="Inhaltsplatzhalter 2"/>
-          <p:cNvSpPr>
-            <a:spLocks noGrp="1"/>
-          </p:cNvSpPr>
-          <p:nvPr>
-            <p:ph idx="1"/>
-          </p:nvPr>
-        </p:nvSpPr>
-        <p:spPr/>
-        <p:txBody>
-          <a:bodyPr/>
-          <a:lstStyle/>
-          <a:p>
-            <a:endParaRPr lang="de-DE" dirty="0"/>
-          </a:p>
-        </p:txBody>
-      </p:sp>
+      <p:pic>
+        <p:nvPicPr>
+          <p:cNvPr id="4" name="Grafik 3"/>
+          <p:cNvPicPr>
+            <a:picLocks noChangeAspect="1"/>
+          </p:cNvPicPr>
+          <p:nvPr/>
+        </p:nvPicPr>
+        <p:blipFill>
+          <a:blip r:embed="rId3"/>
+          <a:stretch>
+            <a:fillRect/>
+          </a:stretch>
+        </p:blipFill>
+        <p:spPr>
+          <a:xfrm>
+            <a:off x="10272732" y="6176963"/>
+            <a:ext cx="1762515" cy="508862"/>
+          </a:xfrm>
+          <a:prstGeom prst="rect">
+            <a:avLst/>
+          </a:prstGeom>
+        </p:spPr>
+      </p:pic>
     </p:spTree>
     <p:extLst>
       <p:ext uri="{BB962C8B-B14F-4D97-AF65-F5344CB8AC3E}">
@@ -4411,10 +4920,10 @@
           <a:lstStyle/>
           <a:p>
             <a:r>
-              <a:rPr lang="de-DE" dirty="0" smtClean="0"/>
+              <a:rPr lang="de-DE" b="1" dirty="0" smtClean="0"/>
               <a:t>Ende</a:t>
             </a:r>
-            <a:endParaRPr lang="de-DE" dirty="0"/>
+            <a:endParaRPr lang="de-DE" b="1" dirty="0"/>
           </a:p>
         </p:txBody>
       </p:sp>
@@ -4439,13 +4948,36 @@
               <a:buNone/>
             </a:pPr>
             <a:r>
-              <a:rPr lang="de-DE" sz="3600" dirty="0"/>
+              <a:rPr lang="de-DE" sz="3600" b="1" dirty="0"/>
               <a:t>Vielen Dank für Ihre Aufmerksamkeit!</a:t>
             </a:r>
-            <a:endParaRPr lang="de-DE" sz="3600" dirty="0"/>
-          </a:p>
-        </p:txBody>
-      </p:sp>
+          </a:p>
+        </p:txBody>
+      </p:sp>
+      <p:pic>
+        <p:nvPicPr>
+          <p:cNvPr id="5" name="Grafik 4"/>
+          <p:cNvPicPr>
+            <a:picLocks noChangeAspect="1"/>
+          </p:cNvPicPr>
+          <p:nvPr/>
+        </p:nvPicPr>
+        <p:blipFill>
+          <a:blip r:embed="rId2"/>
+          <a:stretch>
+            <a:fillRect/>
+          </a:stretch>
+        </p:blipFill>
+        <p:spPr>
+          <a:xfrm>
+            <a:off x="4274884" y="1709738"/>
+            <a:ext cx="3629532" cy="1047896"/>
+          </a:xfrm>
+          <a:prstGeom prst="rect">
+            <a:avLst/>
+          </a:prstGeom>
+        </p:spPr>
+      </p:pic>
     </p:spTree>
     <p:extLst>
       <p:ext uri="{BB962C8B-B14F-4D97-AF65-F5344CB8AC3E}">
